--- a/pslides/regex.pptx
+++ b/pslides/regex.pptx
@@ -5,13 +5,13 @@
     <p:sldMasterId id="2147483648" r:id="rId1"/>
   </p:sldMasterIdLst>
   <p:sldIdLst>
-    <p:sldId id="267" r:id="rId2"/>
-    <p:sldId id="268" r:id="rId3"/>
-    <p:sldId id="256" r:id="rId4"/>
-    <p:sldId id="266" r:id="rId5"/>
-    <p:sldId id="269" r:id="rId6"/>
-    <p:sldId id="265" r:id="rId7"/>
-    <p:sldId id="264" r:id="rId8"/>
+    <p:sldId id="256" r:id="rId2"/>
+    <p:sldId id="266" r:id="rId3"/>
+    <p:sldId id="269" r:id="rId4"/>
+    <p:sldId id="265" r:id="rId5"/>
+    <p:sldId id="264" r:id="rId6"/>
+    <p:sldId id="267" r:id="rId7"/>
+    <p:sldId id="268" r:id="rId8"/>
   </p:sldIdLst>
   <p:sldSz cx="12192000" cy="6858000"/>
   <p:notesSz cx="6858000" cy="9144000"/>
@@ -265,7 +265,7 @@
           <a:p>
             <a:fld id="{7B9169B0-A344-9A43-AAD5-682508993835}" type="datetimeFigureOut">
               <a:rPr lang="fr-FR" smtClean="0"/>
-              <a:t>20/10/2021</a:t>
+              <a:t>21/10/2021</a:t>
             </a:fld>
             <a:endParaRPr lang="fr-FR"/>
           </a:p>
@@ -463,7 +463,7 @@
           <a:p>
             <a:fld id="{7B9169B0-A344-9A43-AAD5-682508993835}" type="datetimeFigureOut">
               <a:rPr lang="fr-FR" smtClean="0"/>
-              <a:t>20/10/2021</a:t>
+              <a:t>21/10/2021</a:t>
             </a:fld>
             <a:endParaRPr lang="fr-FR"/>
           </a:p>
@@ -671,7 +671,7 @@
           <a:p>
             <a:fld id="{7B9169B0-A344-9A43-AAD5-682508993835}" type="datetimeFigureOut">
               <a:rPr lang="fr-FR" smtClean="0"/>
-              <a:t>20/10/2021</a:t>
+              <a:t>21/10/2021</a:t>
             </a:fld>
             <a:endParaRPr lang="fr-FR"/>
           </a:p>
@@ -869,7 +869,7 @@
           <a:p>
             <a:fld id="{7B9169B0-A344-9A43-AAD5-682508993835}" type="datetimeFigureOut">
               <a:rPr lang="fr-FR" smtClean="0"/>
-              <a:t>20/10/2021</a:t>
+              <a:t>21/10/2021</a:t>
             </a:fld>
             <a:endParaRPr lang="fr-FR"/>
           </a:p>
@@ -1144,7 +1144,7 @@
           <a:p>
             <a:fld id="{7B9169B0-A344-9A43-AAD5-682508993835}" type="datetimeFigureOut">
               <a:rPr lang="fr-FR" smtClean="0"/>
-              <a:t>20/10/2021</a:t>
+              <a:t>21/10/2021</a:t>
             </a:fld>
             <a:endParaRPr lang="fr-FR"/>
           </a:p>
@@ -1409,7 +1409,7 @@
           <a:p>
             <a:fld id="{7B9169B0-A344-9A43-AAD5-682508993835}" type="datetimeFigureOut">
               <a:rPr lang="fr-FR" smtClean="0"/>
-              <a:t>20/10/2021</a:t>
+              <a:t>21/10/2021</a:t>
             </a:fld>
             <a:endParaRPr lang="fr-FR"/>
           </a:p>
@@ -1821,7 +1821,7 @@
           <a:p>
             <a:fld id="{7B9169B0-A344-9A43-AAD5-682508993835}" type="datetimeFigureOut">
               <a:rPr lang="fr-FR" smtClean="0"/>
-              <a:t>20/10/2021</a:t>
+              <a:t>21/10/2021</a:t>
             </a:fld>
             <a:endParaRPr lang="fr-FR"/>
           </a:p>
@@ -1962,7 +1962,7 @@
           <a:p>
             <a:fld id="{7B9169B0-A344-9A43-AAD5-682508993835}" type="datetimeFigureOut">
               <a:rPr lang="fr-FR" smtClean="0"/>
-              <a:t>20/10/2021</a:t>
+              <a:t>21/10/2021</a:t>
             </a:fld>
             <a:endParaRPr lang="fr-FR"/>
           </a:p>
@@ -2075,7 +2075,7 @@
           <a:p>
             <a:fld id="{7B9169B0-A344-9A43-AAD5-682508993835}" type="datetimeFigureOut">
               <a:rPr lang="fr-FR" smtClean="0"/>
-              <a:t>20/10/2021</a:t>
+              <a:t>21/10/2021</a:t>
             </a:fld>
             <a:endParaRPr lang="fr-FR"/>
           </a:p>
@@ -2386,7 +2386,7 @@
           <a:p>
             <a:fld id="{7B9169B0-A344-9A43-AAD5-682508993835}" type="datetimeFigureOut">
               <a:rPr lang="fr-FR" smtClean="0"/>
-              <a:t>20/10/2021</a:t>
+              <a:t>21/10/2021</a:t>
             </a:fld>
             <a:endParaRPr lang="fr-FR"/>
           </a:p>
@@ -2674,7 +2674,7 @@
           <a:p>
             <a:fld id="{7B9169B0-A344-9A43-AAD5-682508993835}" type="datetimeFigureOut">
               <a:rPr lang="fr-FR" smtClean="0"/>
-              <a:t>20/10/2021</a:t>
+              <a:t>21/10/2021</a:t>
             </a:fld>
             <a:endParaRPr lang="fr-FR"/>
           </a:p>
@@ -2915,7 +2915,7 @@
           <a:p>
             <a:fld id="{7B9169B0-A344-9A43-AAD5-682508993835}" type="datetimeFigureOut">
               <a:rPr lang="fr-FR" smtClean="0"/>
-              <a:t>20/10/2021</a:t>
+              <a:t>21/10/2021</a:t>
             </a:fld>
             <a:endParaRPr lang="fr-FR"/>
           </a:p>
@@ -3332,6 +3332,42 @@
           <a:chExt cx="0" cy="0"/>
         </a:xfrm>
       </p:grpSpPr>
+      <p:sp>
+        <p:nvSpPr>
+          <p:cNvPr id="72" name="ZoneTexte 71">
+            <a:extLst>
+              <a:ext uri="{FF2B5EF4-FFF2-40B4-BE49-F238E27FC236}">
+                <a16:creationId xmlns:a16="http://schemas.microsoft.com/office/drawing/2014/main" id="{3890A706-5F2B-E84E-A26A-A267907CC130}"/>
+              </a:ext>
+            </a:extLst>
+          </p:cNvPr>
+          <p:cNvSpPr txBox="1"/>
+          <p:nvPr/>
+        </p:nvSpPr>
+        <p:spPr>
+          <a:xfrm>
+            <a:off x="1498547" y="307658"/>
+            <a:ext cx="9194905" cy="830997"/>
+          </a:xfrm>
+          <a:prstGeom prst="rect">
+            <a:avLst/>
+          </a:prstGeom>
+          <a:noFill/>
+        </p:spPr>
+        <p:txBody>
+          <a:bodyPr wrap="square" rtlCol="0">
+            <a:spAutoFit/>
+          </a:bodyPr>
+          <a:lstStyle/>
+          <a:p>
+            <a:pPr algn="ctr"/>
+            <a:r>
+              <a:rPr lang="fr-FR" sz="4800" b="1" u="sng" noProof="1"/>
+              <a:t>Regular Expressions</a:t>
+            </a:r>
+          </a:p>
+        </p:txBody>
+      </p:sp>
       <p:pic>
         <p:nvPicPr>
           <p:cNvPr id="1026" name="Picture 2">
@@ -3420,6 +3456,1420 @@
           </a:p>
         </p:txBody>
       </p:sp>
+      <p:sp>
+        <p:nvSpPr>
+          <p:cNvPr id="48" name="ZoneTexte 47">
+            <a:extLst>
+              <a:ext uri="{FF2B5EF4-FFF2-40B4-BE49-F238E27FC236}">
+                <a16:creationId xmlns:a16="http://schemas.microsoft.com/office/drawing/2014/main" id="{D3C4FD66-2FFB-054A-9FC5-47527FF27949}"/>
+              </a:ext>
+            </a:extLst>
+          </p:cNvPr>
+          <p:cNvSpPr txBox="1"/>
+          <p:nvPr/>
+        </p:nvSpPr>
+        <p:spPr>
+          <a:xfrm>
+            <a:off x="772886" y="1225807"/>
+            <a:ext cx="11005457" cy="5324535"/>
+          </a:xfrm>
+          <a:prstGeom prst="rect">
+            <a:avLst/>
+          </a:prstGeom>
+          <a:noFill/>
+        </p:spPr>
+        <p:txBody>
+          <a:bodyPr wrap="square" rtlCol="0">
+            <a:spAutoFit/>
+          </a:bodyPr>
+          <a:lstStyle/>
+          <a:p>
+            <a:pPr algn="just"/>
+            <a:r>
+              <a:rPr lang="en-US" sz="2000" noProof="1"/>
+              <a:t>As you read, regular expressions (or regex) provide a language for describing a search pattern that will match patterns in a string. They can get very complex, but usually we only need relatively simple regular expressions for data science applications.</a:t>
+            </a:r>
+          </a:p>
+          <a:p>
+            <a:pPr algn="just"/>
+            <a:endParaRPr lang="en-US" sz="2000" noProof="1"/>
+          </a:p>
+          <a:p>
+            <a:pPr algn="just"/>
+            <a:r>
+              <a:rPr lang="en-US" sz="2000" b="1" noProof="1">
+                <a:solidFill>
+                  <a:schemeClr val="accent5">
+                    <a:lumMod val="75000"/>
+                  </a:schemeClr>
+                </a:solidFill>
+              </a:rPr>
+              <a:t>	</a:t>
+            </a:r>
+            <a:r>
+              <a:rPr lang="en-US" sz="2000" b="1" dirty="0">
+                <a:solidFill>
+                  <a:schemeClr val="accent5">
+                    <a:lumMod val="75000"/>
+                  </a:schemeClr>
+                </a:solidFill>
+              </a:rPr>
+              <a:t>\A		start of string</a:t>
+            </a:r>
+          </a:p>
+          <a:p>
+            <a:pPr algn="just"/>
+            <a:r>
+              <a:rPr lang="en-US" sz="2000" b="1" noProof="1">
+                <a:solidFill>
+                  <a:schemeClr val="accent5">
+                    <a:lumMod val="75000"/>
+                  </a:schemeClr>
+                </a:solidFill>
+              </a:rPr>
+              <a:t>	\Z		end of string</a:t>
+            </a:r>
+          </a:p>
+          <a:p>
+            <a:pPr algn="just"/>
+            <a:r>
+              <a:rPr lang="en-US" sz="2000" b="1" noProof="1">
+                <a:solidFill>
+                  <a:schemeClr val="accent5">
+                    <a:lumMod val="75000"/>
+                  </a:schemeClr>
+                </a:solidFill>
+              </a:rPr>
+              <a:t>	\w		match word character (note: lowercase w)</a:t>
+            </a:r>
+          </a:p>
+          <a:p>
+            <a:pPr algn="just"/>
+            <a:r>
+              <a:rPr lang="en-US" sz="2000" b="1" noProof="1">
+                <a:solidFill>
+                  <a:schemeClr val="accent5">
+                    <a:lumMod val="75000"/>
+                  </a:schemeClr>
+                </a:solidFill>
+              </a:rPr>
+              <a:t>	\W		match any non-word character (note: uppercase W)</a:t>
+            </a:r>
+          </a:p>
+          <a:p>
+            <a:pPr algn="just"/>
+            <a:r>
+              <a:rPr lang="en-US" sz="2000" b="1" noProof="1">
+                <a:solidFill>
+                  <a:schemeClr val="accent5">
+                    <a:lumMod val="75000"/>
+                  </a:schemeClr>
+                </a:solidFill>
+              </a:rPr>
+              <a:t>	.		any character (other than new line)</a:t>
+            </a:r>
+          </a:p>
+          <a:p>
+            <a:pPr algn="just"/>
+            <a:r>
+              <a:rPr lang="en-US" sz="2000" b="1" noProof="1">
+                <a:solidFill>
+                  <a:schemeClr val="accent5">
+                    <a:lumMod val="75000"/>
+                  </a:schemeClr>
+                </a:solidFill>
+              </a:rPr>
+              <a:t>	[  ]		match any (single) character inside bracket</a:t>
+            </a:r>
+          </a:p>
+          <a:p>
+            <a:pPr algn="just"/>
+            <a:r>
+              <a:rPr lang="en-US" sz="2000" b="1" noProof="1">
+                <a:solidFill>
+                  <a:schemeClr val="accent5">
+                    <a:lumMod val="75000"/>
+                  </a:schemeClr>
+                </a:solidFill>
+              </a:rPr>
+              <a:t>	[  ]*		match 0 or more characters inside bracket</a:t>
+            </a:r>
+          </a:p>
+          <a:p>
+            <a:pPr algn="just"/>
+            <a:r>
+              <a:rPr lang="en-US" sz="2000" b="1" noProof="1">
+                <a:solidFill>
+                  <a:schemeClr val="accent5">
+                    <a:lumMod val="75000"/>
+                  </a:schemeClr>
+                </a:solidFill>
+              </a:rPr>
+              <a:t>	[  ]+		match 1 or more characters inside bracket</a:t>
+            </a:r>
+          </a:p>
+          <a:p>
+            <a:pPr algn="just"/>
+            <a:r>
+              <a:rPr lang="en-US" sz="2000" b="1" noProof="1">
+                <a:solidFill>
+                  <a:schemeClr val="accent5">
+                    <a:lumMod val="75000"/>
+                  </a:schemeClr>
+                </a:solidFill>
+              </a:rPr>
+              <a:t>	[^  ]		match any number of character NOT inside bracket</a:t>
+            </a:r>
+          </a:p>
+          <a:p>
+            <a:pPr algn="just"/>
+            <a:endParaRPr lang="en-US" sz="2000" b="1" noProof="1">
+              <a:solidFill>
+                <a:schemeClr val="accent5">
+                  <a:lumMod val="75000"/>
+                </a:schemeClr>
+              </a:solidFill>
+            </a:endParaRPr>
+          </a:p>
+          <a:p>
+            <a:pPr algn="just"/>
+            <a:r>
+              <a:rPr lang="en-US" sz="2000" b="1" noProof="1">
+                <a:solidFill>
+                  <a:schemeClr val="accent5">
+                    <a:lumMod val="75000"/>
+                  </a:schemeClr>
+                </a:solidFill>
+              </a:rPr>
+              <a:t>	0-9		numeric digits</a:t>
+            </a:r>
+          </a:p>
+          <a:p>
+            <a:pPr algn="just"/>
+            <a:r>
+              <a:rPr lang="en-US" sz="2000" b="1" noProof="1">
+                <a:solidFill>
+                  <a:schemeClr val="accent5">
+                    <a:lumMod val="75000"/>
+                  </a:schemeClr>
+                </a:solidFill>
+              </a:rPr>
+              <a:t>	a-z		lowercase letters</a:t>
+            </a:r>
+          </a:p>
+          <a:p>
+            <a:pPr algn="just"/>
+            <a:r>
+              <a:rPr lang="en-US" sz="2000" b="1" noProof="1">
+                <a:solidFill>
+                  <a:schemeClr val="accent5">
+                    <a:lumMod val="75000"/>
+                  </a:schemeClr>
+                </a:solidFill>
+              </a:rPr>
+              <a:t>	A-Z		uppercase letters</a:t>
+            </a:r>
+          </a:p>
+        </p:txBody>
+      </p:sp>
+      <p:sp>
+        <p:nvSpPr>
+          <p:cNvPr id="6" name="ZoneTexte 5">
+            <a:extLst>
+              <a:ext uri="{FF2B5EF4-FFF2-40B4-BE49-F238E27FC236}">
+                <a16:creationId xmlns:a16="http://schemas.microsoft.com/office/drawing/2014/main" id="{7AA64C54-82B6-3147-87CE-2B1DA3E0341A}"/>
+              </a:ext>
+            </a:extLst>
+          </p:cNvPr>
+          <p:cNvSpPr txBox="1"/>
+          <p:nvPr/>
+        </p:nvSpPr>
+        <p:spPr>
+          <a:xfrm>
+            <a:off x="5748217" y="5863121"/>
+            <a:ext cx="4070697" cy="338554"/>
+          </a:xfrm>
+          <a:prstGeom prst="rect">
+            <a:avLst/>
+          </a:prstGeom>
+          <a:noFill/>
+        </p:spPr>
+        <p:txBody>
+          <a:bodyPr wrap="square" rtlCol="0">
+            <a:spAutoFit/>
+          </a:bodyPr>
+          <a:lstStyle/>
+          <a:p>
+            <a:pPr algn="ctr"/>
+            <a:r>
+              <a:rPr lang="en-US" sz="1600" noProof="1">
+                <a:solidFill>
+                  <a:schemeClr val="accent5">
+                    <a:lumMod val="75000"/>
+                  </a:schemeClr>
+                </a:solidFill>
+              </a:rPr>
+              <a:t>[note: these must be used inside brackets]</a:t>
+            </a:r>
+          </a:p>
+        </p:txBody>
+      </p:sp>
+      <p:sp>
+        <p:nvSpPr>
+          <p:cNvPr id="7" name="ZoneTexte 6">
+            <a:extLst>
+              <a:ext uri="{FF2B5EF4-FFF2-40B4-BE49-F238E27FC236}">
+                <a16:creationId xmlns:a16="http://schemas.microsoft.com/office/drawing/2014/main" id="{4164AD59-6E98-BD4F-8F08-FF6ED02C19D9}"/>
+              </a:ext>
+            </a:extLst>
+          </p:cNvPr>
+          <p:cNvSpPr txBox="1"/>
+          <p:nvPr/>
+        </p:nvSpPr>
+        <p:spPr>
+          <a:xfrm>
+            <a:off x="7798832" y="2823527"/>
+            <a:ext cx="4070697" cy="338554"/>
+          </a:xfrm>
+          <a:prstGeom prst="rect">
+            <a:avLst/>
+          </a:prstGeom>
+          <a:noFill/>
+        </p:spPr>
+        <p:txBody>
+          <a:bodyPr wrap="square" rtlCol="0">
+            <a:spAutoFit/>
+          </a:bodyPr>
+          <a:lstStyle/>
+          <a:p>
+            <a:pPr algn="ctr"/>
+            <a:r>
+              <a:rPr lang="en-US" sz="1600" noProof="1">
+                <a:solidFill>
+                  <a:schemeClr val="accent5">
+                    <a:lumMod val="75000"/>
+                  </a:schemeClr>
+                </a:solidFill>
+              </a:rPr>
+              <a:t>[note: you will need to write two slashes in R]</a:t>
+            </a:r>
+          </a:p>
+        </p:txBody>
+      </p:sp>
+    </p:spTree>
+    <p:extLst>
+      <p:ext uri="{BB962C8B-B14F-4D97-AF65-F5344CB8AC3E}">
+        <p14:creationId xmlns:p14="http://schemas.microsoft.com/office/powerpoint/2010/main" val="3524561122"/>
+      </p:ext>
+    </p:extLst>
+  </p:cSld>
+  <p:clrMapOvr>
+    <a:masterClrMapping/>
+  </p:clrMapOvr>
+</p:sld>
+</file>
+
+<file path=ppt/slides/slide2.xml><?xml version="1.0" encoding="utf-8"?>
+<p:sld xmlns:a="http://schemas.openxmlformats.org/drawingml/2006/main" xmlns:r="http://schemas.openxmlformats.org/officeDocument/2006/relationships" xmlns:p="http://schemas.openxmlformats.org/presentationml/2006/main">
+  <p:cSld>
+    <p:spTree>
+      <p:nvGrpSpPr>
+        <p:cNvPr id="1" name=""/>
+        <p:cNvGrpSpPr/>
+        <p:nvPr/>
+      </p:nvGrpSpPr>
+      <p:grpSpPr>
+        <a:xfrm>
+          <a:off x="0" y="0"/>
+          <a:ext cx="0" cy="0"/>
+          <a:chOff x="0" y="0"/>
+          <a:chExt cx="0" cy="0"/>
+        </a:xfrm>
+      </p:grpSpPr>
+      <p:sp>
+        <p:nvSpPr>
+          <p:cNvPr id="72" name="ZoneTexte 71">
+            <a:extLst>
+              <a:ext uri="{FF2B5EF4-FFF2-40B4-BE49-F238E27FC236}">
+                <a16:creationId xmlns:a16="http://schemas.microsoft.com/office/drawing/2014/main" id="{3890A706-5F2B-E84E-A26A-A267907CC130}"/>
+              </a:ext>
+            </a:extLst>
+          </p:cNvPr>
+          <p:cNvSpPr txBox="1"/>
+          <p:nvPr/>
+        </p:nvSpPr>
+        <p:spPr>
+          <a:xfrm>
+            <a:off x="1498547" y="307658"/>
+            <a:ext cx="9194905" cy="830997"/>
+          </a:xfrm>
+          <a:prstGeom prst="rect">
+            <a:avLst/>
+          </a:prstGeom>
+          <a:noFill/>
+        </p:spPr>
+        <p:txBody>
+          <a:bodyPr wrap="square" rtlCol="0">
+            <a:spAutoFit/>
+          </a:bodyPr>
+          <a:lstStyle/>
+          <a:p>
+            <a:pPr algn="ctr"/>
+            <a:r>
+              <a:rPr lang="fr-FR" sz="4800" b="1" u="sng" noProof="1"/>
+              <a:t>Example #1</a:t>
+            </a:r>
+          </a:p>
+        </p:txBody>
+      </p:sp>
+      <p:pic>
+        <p:nvPicPr>
+          <p:cNvPr id="1026" name="Picture 2">
+            <a:extLst>
+              <a:ext uri="{FF2B5EF4-FFF2-40B4-BE49-F238E27FC236}">
+                <a16:creationId xmlns:a16="http://schemas.microsoft.com/office/drawing/2014/main" id="{ECEC78D4-0EC8-6148-B750-42F18BFCA56C}"/>
+              </a:ext>
+            </a:extLst>
+          </p:cNvPr>
+          <p:cNvPicPr>
+            <a:picLocks noChangeAspect="1" noChangeArrowheads="1"/>
+          </p:cNvPicPr>
+          <p:nvPr/>
+        </p:nvPicPr>
+        <p:blipFill>
+          <a:blip r:embed="rId2">
+            <a:extLst>
+              <a:ext uri="{28A0092B-C50C-407E-A947-70E740481C1C}">
+                <a14:useLocalDpi xmlns:a14="http://schemas.microsoft.com/office/drawing/2010/main" val="0"/>
+              </a:ext>
+            </a:extLst>
+          </a:blip>
+          <a:srcRect/>
+          <a:stretch>
+            <a:fillRect/>
+          </a:stretch>
+        </p:blipFill>
+        <p:spPr bwMode="auto">
+          <a:xfrm>
+            <a:off x="11267345" y="6475487"/>
+            <a:ext cx="856587" cy="299700"/>
+          </a:xfrm>
+          <a:prstGeom prst="rect">
+            <a:avLst/>
+          </a:prstGeom>
+          <a:noFill/>
+          <a:extLst>
+            <a:ext uri="{909E8E84-426E-40DD-AFC4-6F175D3DCCD1}">
+              <a14:hiddenFill xmlns:a14="http://schemas.microsoft.com/office/drawing/2010/main">
+                <a:solidFill>
+                  <a:srgbClr val="FFFFFF"/>
+                </a:solidFill>
+              </a14:hiddenFill>
+            </a:ext>
+          </a:extLst>
+        </p:spPr>
+      </p:pic>
+      <p:sp>
+        <p:nvSpPr>
+          <p:cNvPr id="76" name="ZoneTexte 75">
+            <a:extLst>
+              <a:ext uri="{FF2B5EF4-FFF2-40B4-BE49-F238E27FC236}">
+                <a16:creationId xmlns:a16="http://schemas.microsoft.com/office/drawing/2014/main" id="{827C32F7-EAB8-F143-B412-CBD04F7209BF}"/>
+              </a:ext>
+            </a:extLst>
+          </p:cNvPr>
+          <p:cNvSpPr txBox="1"/>
+          <p:nvPr/>
+        </p:nvSpPr>
+        <p:spPr>
+          <a:xfrm>
+            <a:off x="68068" y="6475487"/>
+            <a:ext cx="4030964" cy="338554"/>
+          </a:xfrm>
+          <a:prstGeom prst="rect">
+            <a:avLst/>
+          </a:prstGeom>
+          <a:noFill/>
+        </p:spPr>
+        <p:txBody>
+          <a:bodyPr wrap="square" rtlCol="0">
+            <a:spAutoFit/>
+          </a:bodyPr>
+          <a:lstStyle/>
+          <a:p>
+            <a:r>
+              <a:rPr lang="fr-FR" sz="1600" noProof="1">
+                <a:solidFill>
+                  <a:schemeClr val="bg1">
+                    <a:lumMod val="65000"/>
+                  </a:schemeClr>
+                </a:solidFill>
+              </a:rPr>
+              <a:t>T. ARNOLD</a:t>
+            </a:r>
+          </a:p>
+        </p:txBody>
+      </p:sp>
+      <p:sp>
+        <p:nvSpPr>
+          <p:cNvPr id="48" name="ZoneTexte 47">
+            <a:extLst>
+              <a:ext uri="{FF2B5EF4-FFF2-40B4-BE49-F238E27FC236}">
+                <a16:creationId xmlns:a16="http://schemas.microsoft.com/office/drawing/2014/main" id="{D3C4FD66-2FFB-054A-9FC5-47527FF27949}"/>
+              </a:ext>
+            </a:extLst>
+          </p:cNvPr>
+          <p:cNvSpPr txBox="1"/>
+          <p:nvPr/>
+        </p:nvSpPr>
+        <p:spPr>
+          <a:xfrm>
+            <a:off x="1063117" y="2644170"/>
+            <a:ext cx="10377767" cy="1569660"/>
+          </a:xfrm>
+          <a:prstGeom prst="rect">
+            <a:avLst/>
+          </a:prstGeom>
+          <a:noFill/>
+        </p:spPr>
+        <p:txBody>
+          <a:bodyPr wrap="square" rtlCol="0">
+            <a:spAutoFit/>
+          </a:bodyPr>
+          <a:lstStyle/>
+          <a:p>
+            <a:pPr algn="ctr"/>
+            <a:r>
+              <a:rPr lang="en-US" sz="3200" noProof="1"/>
+              <a:t>How would you describe the following regex query?</a:t>
+            </a:r>
+          </a:p>
+          <a:p>
+            <a:pPr algn="just"/>
+            <a:r>
+              <a:rPr lang="en-US" sz="3200" noProof="1"/>
+              <a:t> </a:t>
+            </a:r>
+          </a:p>
+          <a:p>
+            <a:pPr algn="ctr"/>
+            <a:r>
+              <a:rPr lang="en-US" sz="3200" b="1" noProof="1"/>
+              <a:t>[\w]+ing</a:t>
+            </a:r>
+          </a:p>
+        </p:txBody>
+      </p:sp>
+    </p:spTree>
+    <p:extLst>
+      <p:ext uri="{BB962C8B-B14F-4D97-AF65-F5344CB8AC3E}">
+        <p14:creationId xmlns:p14="http://schemas.microsoft.com/office/powerpoint/2010/main" val="3128788696"/>
+      </p:ext>
+    </p:extLst>
+  </p:cSld>
+  <p:clrMapOvr>
+    <a:masterClrMapping/>
+  </p:clrMapOvr>
+</p:sld>
+</file>
+
+<file path=ppt/slides/slide3.xml><?xml version="1.0" encoding="utf-8"?>
+<p:sld xmlns:a="http://schemas.openxmlformats.org/drawingml/2006/main" xmlns:r="http://schemas.openxmlformats.org/officeDocument/2006/relationships" xmlns:p="http://schemas.openxmlformats.org/presentationml/2006/main">
+  <p:cSld>
+    <p:spTree>
+      <p:nvGrpSpPr>
+        <p:cNvPr id="1" name=""/>
+        <p:cNvGrpSpPr/>
+        <p:nvPr/>
+      </p:nvGrpSpPr>
+      <p:grpSpPr>
+        <a:xfrm>
+          <a:off x="0" y="0"/>
+          <a:ext cx="0" cy="0"/>
+          <a:chOff x="0" y="0"/>
+          <a:chExt cx="0" cy="0"/>
+        </a:xfrm>
+      </p:grpSpPr>
+      <p:sp>
+        <p:nvSpPr>
+          <p:cNvPr id="72" name="ZoneTexte 71">
+            <a:extLst>
+              <a:ext uri="{FF2B5EF4-FFF2-40B4-BE49-F238E27FC236}">
+                <a16:creationId xmlns:a16="http://schemas.microsoft.com/office/drawing/2014/main" id="{3890A706-5F2B-E84E-A26A-A267907CC130}"/>
+              </a:ext>
+            </a:extLst>
+          </p:cNvPr>
+          <p:cNvSpPr txBox="1"/>
+          <p:nvPr/>
+        </p:nvSpPr>
+        <p:spPr>
+          <a:xfrm>
+            <a:off x="1498547" y="307658"/>
+            <a:ext cx="9194905" cy="830997"/>
+          </a:xfrm>
+          <a:prstGeom prst="rect">
+            <a:avLst/>
+          </a:prstGeom>
+          <a:noFill/>
+        </p:spPr>
+        <p:txBody>
+          <a:bodyPr wrap="square" rtlCol="0">
+            <a:spAutoFit/>
+          </a:bodyPr>
+          <a:lstStyle/>
+          <a:p>
+            <a:pPr algn="ctr"/>
+            <a:r>
+              <a:rPr lang="fr-FR" sz="4800" b="1" u="sng" noProof="1"/>
+              <a:t>Example #2</a:t>
+            </a:r>
+          </a:p>
+        </p:txBody>
+      </p:sp>
+      <p:pic>
+        <p:nvPicPr>
+          <p:cNvPr id="1026" name="Picture 2">
+            <a:extLst>
+              <a:ext uri="{FF2B5EF4-FFF2-40B4-BE49-F238E27FC236}">
+                <a16:creationId xmlns:a16="http://schemas.microsoft.com/office/drawing/2014/main" id="{ECEC78D4-0EC8-6148-B750-42F18BFCA56C}"/>
+              </a:ext>
+            </a:extLst>
+          </p:cNvPr>
+          <p:cNvPicPr>
+            <a:picLocks noChangeAspect="1" noChangeArrowheads="1"/>
+          </p:cNvPicPr>
+          <p:nvPr/>
+        </p:nvPicPr>
+        <p:blipFill>
+          <a:blip r:embed="rId2">
+            <a:extLst>
+              <a:ext uri="{28A0092B-C50C-407E-A947-70E740481C1C}">
+                <a14:useLocalDpi xmlns:a14="http://schemas.microsoft.com/office/drawing/2010/main" val="0"/>
+              </a:ext>
+            </a:extLst>
+          </a:blip>
+          <a:srcRect/>
+          <a:stretch>
+            <a:fillRect/>
+          </a:stretch>
+        </p:blipFill>
+        <p:spPr bwMode="auto">
+          <a:xfrm>
+            <a:off x="11267345" y="6475487"/>
+            <a:ext cx="856587" cy="299700"/>
+          </a:xfrm>
+          <a:prstGeom prst="rect">
+            <a:avLst/>
+          </a:prstGeom>
+          <a:noFill/>
+          <a:extLst>
+            <a:ext uri="{909E8E84-426E-40DD-AFC4-6F175D3DCCD1}">
+              <a14:hiddenFill xmlns:a14="http://schemas.microsoft.com/office/drawing/2010/main">
+                <a:solidFill>
+                  <a:srgbClr val="FFFFFF"/>
+                </a:solidFill>
+              </a14:hiddenFill>
+            </a:ext>
+          </a:extLst>
+        </p:spPr>
+      </p:pic>
+      <p:sp>
+        <p:nvSpPr>
+          <p:cNvPr id="76" name="ZoneTexte 75">
+            <a:extLst>
+              <a:ext uri="{FF2B5EF4-FFF2-40B4-BE49-F238E27FC236}">
+                <a16:creationId xmlns:a16="http://schemas.microsoft.com/office/drawing/2014/main" id="{827C32F7-EAB8-F143-B412-CBD04F7209BF}"/>
+              </a:ext>
+            </a:extLst>
+          </p:cNvPr>
+          <p:cNvSpPr txBox="1"/>
+          <p:nvPr/>
+        </p:nvSpPr>
+        <p:spPr>
+          <a:xfrm>
+            <a:off x="68068" y="6475487"/>
+            <a:ext cx="4030964" cy="338554"/>
+          </a:xfrm>
+          <a:prstGeom prst="rect">
+            <a:avLst/>
+          </a:prstGeom>
+          <a:noFill/>
+        </p:spPr>
+        <p:txBody>
+          <a:bodyPr wrap="square" rtlCol="0">
+            <a:spAutoFit/>
+          </a:bodyPr>
+          <a:lstStyle/>
+          <a:p>
+            <a:r>
+              <a:rPr lang="fr-FR" sz="1600" noProof="1">
+                <a:solidFill>
+                  <a:schemeClr val="bg1">
+                    <a:lumMod val="65000"/>
+                  </a:schemeClr>
+                </a:solidFill>
+              </a:rPr>
+              <a:t>T. ARNOLD</a:t>
+            </a:r>
+          </a:p>
+        </p:txBody>
+      </p:sp>
+      <p:sp>
+        <p:nvSpPr>
+          <p:cNvPr id="48" name="ZoneTexte 47">
+            <a:extLst>
+              <a:ext uri="{FF2B5EF4-FFF2-40B4-BE49-F238E27FC236}">
+                <a16:creationId xmlns:a16="http://schemas.microsoft.com/office/drawing/2014/main" id="{D3C4FD66-2FFB-054A-9FC5-47527FF27949}"/>
+              </a:ext>
+            </a:extLst>
+          </p:cNvPr>
+          <p:cNvSpPr txBox="1"/>
+          <p:nvPr/>
+        </p:nvSpPr>
+        <p:spPr>
+          <a:xfrm>
+            <a:off x="1063117" y="2644170"/>
+            <a:ext cx="10377767" cy="1569660"/>
+          </a:xfrm>
+          <a:prstGeom prst="rect">
+            <a:avLst/>
+          </a:prstGeom>
+          <a:noFill/>
+        </p:spPr>
+        <p:txBody>
+          <a:bodyPr wrap="square" rtlCol="0">
+            <a:spAutoFit/>
+          </a:bodyPr>
+          <a:lstStyle/>
+          <a:p>
+            <a:pPr algn="ctr"/>
+            <a:r>
+              <a:rPr lang="en-US" sz="3200" noProof="1"/>
+              <a:t>How would you describe the following regex query?</a:t>
+            </a:r>
+          </a:p>
+          <a:p>
+            <a:pPr algn="just"/>
+            <a:r>
+              <a:rPr lang="en-US" sz="3200" noProof="1"/>
+              <a:t> </a:t>
+            </a:r>
+          </a:p>
+          <a:p>
+            <a:pPr algn="ctr"/>
+            <a:r>
+              <a:rPr lang="en-US" sz="3200" b="1" noProof="1"/>
+              <a:t>"[^"]+"</a:t>
+            </a:r>
+          </a:p>
+        </p:txBody>
+      </p:sp>
+    </p:spTree>
+    <p:extLst>
+      <p:ext uri="{BB962C8B-B14F-4D97-AF65-F5344CB8AC3E}">
+        <p14:creationId xmlns:p14="http://schemas.microsoft.com/office/powerpoint/2010/main" val="3476999541"/>
+      </p:ext>
+    </p:extLst>
+  </p:cSld>
+  <p:clrMapOvr>
+    <a:masterClrMapping/>
+  </p:clrMapOvr>
+</p:sld>
+</file>
+
+<file path=ppt/slides/slide4.xml><?xml version="1.0" encoding="utf-8"?>
+<p:sld xmlns:a="http://schemas.openxmlformats.org/drawingml/2006/main" xmlns:r="http://schemas.openxmlformats.org/officeDocument/2006/relationships" xmlns:p="http://schemas.openxmlformats.org/presentationml/2006/main">
+  <p:cSld>
+    <p:spTree>
+      <p:nvGrpSpPr>
+        <p:cNvPr id="1" name=""/>
+        <p:cNvGrpSpPr/>
+        <p:nvPr/>
+      </p:nvGrpSpPr>
+      <p:grpSpPr>
+        <a:xfrm>
+          <a:off x="0" y="0"/>
+          <a:ext cx="0" cy="0"/>
+          <a:chOff x="0" y="0"/>
+          <a:chExt cx="0" cy="0"/>
+        </a:xfrm>
+      </p:grpSpPr>
+      <p:sp>
+        <p:nvSpPr>
+          <p:cNvPr id="72" name="ZoneTexte 71">
+            <a:extLst>
+              <a:ext uri="{FF2B5EF4-FFF2-40B4-BE49-F238E27FC236}">
+                <a16:creationId xmlns:a16="http://schemas.microsoft.com/office/drawing/2014/main" id="{3890A706-5F2B-E84E-A26A-A267907CC130}"/>
+              </a:ext>
+            </a:extLst>
+          </p:cNvPr>
+          <p:cNvSpPr txBox="1"/>
+          <p:nvPr/>
+        </p:nvSpPr>
+        <p:spPr>
+          <a:xfrm>
+            <a:off x="1498547" y="307658"/>
+            <a:ext cx="9194905" cy="830997"/>
+          </a:xfrm>
+          <a:prstGeom prst="rect">
+            <a:avLst/>
+          </a:prstGeom>
+          <a:noFill/>
+        </p:spPr>
+        <p:txBody>
+          <a:bodyPr wrap="square" rtlCol="0">
+            <a:spAutoFit/>
+          </a:bodyPr>
+          <a:lstStyle/>
+          <a:p>
+            <a:pPr algn="ctr"/>
+            <a:r>
+              <a:rPr lang="fr-FR" sz="4800" b="1" u="sng" noProof="1"/>
+              <a:t>stringi</a:t>
+            </a:r>
+          </a:p>
+        </p:txBody>
+      </p:sp>
+      <p:pic>
+        <p:nvPicPr>
+          <p:cNvPr id="1026" name="Picture 2">
+            <a:extLst>
+              <a:ext uri="{FF2B5EF4-FFF2-40B4-BE49-F238E27FC236}">
+                <a16:creationId xmlns:a16="http://schemas.microsoft.com/office/drawing/2014/main" id="{ECEC78D4-0EC8-6148-B750-42F18BFCA56C}"/>
+              </a:ext>
+            </a:extLst>
+          </p:cNvPr>
+          <p:cNvPicPr>
+            <a:picLocks noChangeAspect="1" noChangeArrowheads="1"/>
+          </p:cNvPicPr>
+          <p:nvPr/>
+        </p:nvPicPr>
+        <p:blipFill>
+          <a:blip r:embed="rId2">
+            <a:extLst>
+              <a:ext uri="{28A0092B-C50C-407E-A947-70E740481C1C}">
+                <a14:useLocalDpi xmlns:a14="http://schemas.microsoft.com/office/drawing/2010/main" val="0"/>
+              </a:ext>
+            </a:extLst>
+          </a:blip>
+          <a:srcRect/>
+          <a:stretch>
+            <a:fillRect/>
+          </a:stretch>
+        </p:blipFill>
+        <p:spPr bwMode="auto">
+          <a:xfrm>
+            <a:off x="11267345" y="6475487"/>
+            <a:ext cx="856587" cy="299700"/>
+          </a:xfrm>
+          <a:prstGeom prst="rect">
+            <a:avLst/>
+          </a:prstGeom>
+          <a:noFill/>
+          <a:extLst>
+            <a:ext uri="{909E8E84-426E-40DD-AFC4-6F175D3DCCD1}">
+              <a14:hiddenFill xmlns:a14="http://schemas.microsoft.com/office/drawing/2010/main">
+                <a:solidFill>
+                  <a:srgbClr val="FFFFFF"/>
+                </a:solidFill>
+              </a14:hiddenFill>
+            </a:ext>
+          </a:extLst>
+        </p:spPr>
+      </p:pic>
+      <p:sp>
+        <p:nvSpPr>
+          <p:cNvPr id="76" name="ZoneTexte 75">
+            <a:extLst>
+              <a:ext uri="{FF2B5EF4-FFF2-40B4-BE49-F238E27FC236}">
+                <a16:creationId xmlns:a16="http://schemas.microsoft.com/office/drawing/2014/main" id="{827C32F7-EAB8-F143-B412-CBD04F7209BF}"/>
+              </a:ext>
+            </a:extLst>
+          </p:cNvPr>
+          <p:cNvSpPr txBox="1"/>
+          <p:nvPr/>
+        </p:nvSpPr>
+        <p:spPr>
+          <a:xfrm>
+            <a:off x="68068" y="6475487"/>
+            <a:ext cx="4030964" cy="338554"/>
+          </a:xfrm>
+          <a:prstGeom prst="rect">
+            <a:avLst/>
+          </a:prstGeom>
+          <a:noFill/>
+        </p:spPr>
+        <p:txBody>
+          <a:bodyPr wrap="square" rtlCol="0">
+            <a:spAutoFit/>
+          </a:bodyPr>
+          <a:lstStyle/>
+          <a:p>
+            <a:r>
+              <a:rPr lang="fr-FR" sz="1600" noProof="1">
+                <a:solidFill>
+                  <a:schemeClr val="bg1">
+                    <a:lumMod val="65000"/>
+                  </a:schemeClr>
+                </a:solidFill>
+              </a:rPr>
+              <a:t>T. ARNOLD</a:t>
+            </a:r>
+          </a:p>
+        </p:txBody>
+      </p:sp>
+      <p:sp>
+        <p:nvSpPr>
+          <p:cNvPr id="48" name="ZoneTexte 47">
+            <a:extLst>
+              <a:ext uri="{FF2B5EF4-FFF2-40B4-BE49-F238E27FC236}">
+                <a16:creationId xmlns:a16="http://schemas.microsoft.com/office/drawing/2014/main" id="{D3C4FD66-2FFB-054A-9FC5-47527FF27949}"/>
+              </a:ext>
+            </a:extLst>
+          </p:cNvPr>
+          <p:cNvSpPr txBox="1"/>
+          <p:nvPr/>
+        </p:nvSpPr>
+        <p:spPr>
+          <a:xfrm>
+            <a:off x="805543" y="1410864"/>
+            <a:ext cx="11005457" cy="4647426"/>
+          </a:xfrm>
+          <a:prstGeom prst="rect">
+            <a:avLst/>
+          </a:prstGeom>
+          <a:noFill/>
+        </p:spPr>
+        <p:txBody>
+          <a:bodyPr wrap="square" rtlCol="0">
+            <a:spAutoFit/>
+          </a:bodyPr>
+          <a:lstStyle/>
+          <a:p>
+            <a:pPr algn="just"/>
+            <a:r>
+              <a:rPr lang="en-US" sz="2400" noProof="1"/>
+              <a:t>The stringi package is probably my favorite R package—at least, my favorite R package that I did not create! It provides an amazing amount of fast functionality that almost always just works as I expect it to. All functions start with the prefix “stri_” and most accept either a regex OR fixed string search pattern (the latter turns out to be very helpful in a lot of cases).</a:t>
+            </a:r>
+          </a:p>
+          <a:p>
+            <a:pPr algn="just"/>
+            <a:endParaRPr lang="en-US" sz="2400" noProof="1"/>
+          </a:p>
+          <a:p>
+            <a:pPr algn="just"/>
+            <a:r>
+              <a:rPr lang="en-US" sz="2400" noProof="1"/>
+              <a:t>As an example, here is an example of a regular expression that counts the number of words (from the latin alphabet) with capital letters:</a:t>
+            </a:r>
+          </a:p>
+          <a:p>
+            <a:pPr algn="just"/>
+            <a:endParaRPr lang="en-US" sz="2400" noProof="1"/>
+          </a:p>
+          <a:p>
+            <a:pPr algn="ctr"/>
+            <a:r>
+              <a:rPr lang="en-US" sz="2400" b="1" noProof="1">
+                <a:solidFill>
+                  <a:schemeClr val="accent5">
+                    <a:lumMod val="75000"/>
+                  </a:schemeClr>
+                </a:solidFill>
+              </a:rPr>
+              <a:t>stri_count(input, regex = "[A-Z][\\w-']+")</a:t>
+            </a:r>
+          </a:p>
+          <a:p>
+            <a:pPr algn="just"/>
+            <a:endParaRPr lang="en-US" sz="2400" noProof="1"/>
+          </a:p>
+          <a:p>
+            <a:pPr algn="just"/>
+            <a:endParaRPr lang="en-US" sz="2400" noProof="1"/>
+          </a:p>
+        </p:txBody>
+      </p:sp>
+    </p:spTree>
+    <p:extLst>
+      <p:ext uri="{BB962C8B-B14F-4D97-AF65-F5344CB8AC3E}">
+        <p14:creationId xmlns:p14="http://schemas.microsoft.com/office/powerpoint/2010/main" val="602059052"/>
+      </p:ext>
+    </p:extLst>
+  </p:cSld>
+  <p:clrMapOvr>
+    <a:masterClrMapping/>
+  </p:clrMapOvr>
+</p:sld>
+</file>
+
+<file path=ppt/slides/slide5.xml><?xml version="1.0" encoding="utf-8"?>
+<p:sld xmlns:a="http://schemas.openxmlformats.org/drawingml/2006/main" xmlns:r="http://schemas.openxmlformats.org/officeDocument/2006/relationships" xmlns:p="http://schemas.openxmlformats.org/presentationml/2006/main">
+  <p:cSld>
+    <p:spTree>
+      <p:nvGrpSpPr>
+        <p:cNvPr id="1" name=""/>
+        <p:cNvGrpSpPr/>
+        <p:nvPr/>
+      </p:nvGrpSpPr>
+      <p:grpSpPr>
+        <a:xfrm>
+          <a:off x="0" y="0"/>
+          <a:ext cx="0" cy="0"/>
+          <a:chOff x="0" y="0"/>
+          <a:chExt cx="0" cy="0"/>
+        </a:xfrm>
+      </p:grpSpPr>
+      <p:sp>
+        <p:nvSpPr>
+          <p:cNvPr id="72" name="ZoneTexte 71">
+            <a:extLst>
+              <a:ext uri="{FF2B5EF4-FFF2-40B4-BE49-F238E27FC236}">
+                <a16:creationId xmlns:a16="http://schemas.microsoft.com/office/drawing/2014/main" id="{3890A706-5F2B-E84E-A26A-A267907CC130}"/>
+              </a:ext>
+            </a:extLst>
+          </p:cNvPr>
+          <p:cNvSpPr txBox="1"/>
+          <p:nvPr/>
+        </p:nvSpPr>
+        <p:spPr>
+          <a:xfrm>
+            <a:off x="1498547" y="307658"/>
+            <a:ext cx="9194905" cy="830997"/>
+          </a:xfrm>
+          <a:prstGeom prst="rect">
+            <a:avLst/>
+          </a:prstGeom>
+          <a:noFill/>
+        </p:spPr>
+        <p:txBody>
+          <a:bodyPr wrap="square" rtlCol="0">
+            <a:spAutoFit/>
+          </a:bodyPr>
+          <a:lstStyle/>
+          <a:p>
+            <a:pPr algn="ctr"/>
+            <a:r>
+              <a:rPr lang="fr-FR" sz="4800" b="1" u="sng" noProof="1"/>
+              <a:t>Using Regular Expressions</a:t>
+            </a:r>
+          </a:p>
+        </p:txBody>
+      </p:sp>
+      <p:pic>
+        <p:nvPicPr>
+          <p:cNvPr id="1026" name="Picture 2">
+            <a:extLst>
+              <a:ext uri="{FF2B5EF4-FFF2-40B4-BE49-F238E27FC236}">
+                <a16:creationId xmlns:a16="http://schemas.microsoft.com/office/drawing/2014/main" id="{ECEC78D4-0EC8-6148-B750-42F18BFCA56C}"/>
+              </a:ext>
+            </a:extLst>
+          </p:cNvPr>
+          <p:cNvPicPr>
+            <a:picLocks noChangeAspect="1" noChangeArrowheads="1"/>
+          </p:cNvPicPr>
+          <p:nvPr/>
+        </p:nvPicPr>
+        <p:blipFill>
+          <a:blip r:embed="rId2">
+            <a:extLst>
+              <a:ext uri="{28A0092B-C50C-407E-A947-70E740481C1C}">
+                <a14:useLocalDpi xmlns:a14="http://schemas.microsoft.com/office/drawing/2010/main" val="0"/>
+              </a:ext>
+            </a:extLst>
+          </a:blip>
+          <a:srcRect/>
+          <a:stretch>
+            <a:fillRect/>
+          </a:stretch>
+        </p:blipFill>
+        <p:spPr bwMode="auto">
+          <a:xfrm>
+            <a:off x="11267345" y="6475487"/>
+            <a:ext cx="856587" cy="299700"/>
+          </a:xfrm>
+          <a:prstGeom prst="rect">
+            <a:avLst/>
+          </a:prstGeom>
+          <a:noFill/>
+          <a:extLst>
+            <a:ext uri="{909E8E84-426E-40DD-AFC4-6F175D3DCCD1}">
+              <a14:hiddenFill xmlns:a14="http://schemas.microsoft.com/office/drawing/2010/main">
+                <a:solidFill>
+                  <a:srgbClr val="FFFFFF"/>
+                </a:solidFill>
+              </a14:hiddenFill>
+            </a:ext>
+          </a:extLst>
+        </p:spPr>
+      </p:pic>
+      <p:sp>
+        <p:nvSpPr>
+          <p:cNvPr id="76" name="ZoneTexte 75">
+            <a:extLst>
+              <a:ext uri="{FF2B5EF4-FFF2-40B4-BE49-F238E27FC236}">
+                <a16:creationId xmlns:a16="http://schemas.microsoft.com/office/drawing/2014/main" id="{827C32F7-EAB8-F143-B412-CBD04F7209BF}"/>
+              </a:ext>
+            </a:extLst>
+          </p:cNvPr>
+          <p:cNvSpPr txBox="1"/>
+          <p:nvPr/>
+        </p:nvSpPr>
+        <p:spPr>
+          <a:xfrm>
+            <a:off x="68068" y="6475487"/>
+            <a:ext cx="4030964" cy="338554"/>
+          </a:xfrm>
+          <a:prstGeom prst="rect">
+            <a:avLst/>
+          </a:prstGeom>
+          <a:noFill/>
+        </p:spPr>
+        <p:txBody>
+          <a:bodyPr wrap="square" rtlCol="0">
+            <a:spAutoFit/>
+          </a:bodyPr>
+          <a:lstStyle/>
+          <a:p>
+            <a:r>
+              <a:rPr lang="fr-FR" sz="1600" noProof="1">
+                <a:solidFill>
+                  <a:schemeClr val="bg1">
+                    <a:lumMod val="65000"/>
+                  </a:schemeClr>
+                </a:solidFill>
+              </a:rPr>
+              <a:t>T. ARNOLD</a:t>
+            </a:r>
+          </a:p>
+        </p:txBody>
+      </p:sp>
+      <p:sp>
+        <p:nvSpPr>
+          <p:cNvPr id="8" name="ZoneTexte 7">
+            <a:extLst>
+              <a:ext uri="{FF2B5EF4-FFF2-40B4-BE49-F238E27FC236}">
+                <a16:creationId xmlns:a16="http://schemas.microsoft.com/office/drawing/2014/main" id="{20897E90-3917-B34C-910C-8EFD57291D68}"/>
+              </a:ext>
+            </a:extLst>
+          </p:cNvPr>
+          <p:cNvSpPr txBox="1"/>
+          <p:nvPr/>
+        </p:nvSpPr>
+        <p:spPr>
+          <a:xfrm>
+            <a:off x="772887" y="1225807"/>
+            <a:ext cx="10798628" cy="5632311"/>
+          </a:xfrm>
+          <a:prstGeom prst="rect">
+            <a:avLst/>
+          </a:prstGeom>
+          <a:noFill/>
+        </p:spPr>
+        <p:txBody>
+          <a:bodyPr wrap="square" rtlCol="0">
+            <a:spAutoFit/>
+          </a:bodyPr>
+          <a:lstStyle/>
+          <a:p>
+            <a:pPr algn="just"/>
+            <a:r>
+              <a:rPr lang="en-US" sz="2000" noProof="1"/>
+              <a:t>There are several commons things we can do once we are able to match a pattern in a string, all supported by the R stringi package:</a:t>
+            </a:r>
+          </a:p>
+          <a:p>
+            <a:pPr algn="just"/>
+            <a:endParaRPr lang="en-US" sz="2000" noProof="1"/>
+          </a:p>
+          <a:p>
+            <a:pPr algn="just"/>
+            <a:r>
+              <a:rPr lang="en-US" sz="2000" b="1" noProof="1">
+                <a:solidFill>
+                  <a:schemeClr val="accent5">
+                    <a:lumMod val="75000"/>
+                  </a:schemeClr>
+                </a:solidFill>
+              </a:rPr>
+              <a:t>	stri_count		count the number of time the pattern occurs</a:t>
+            </a:r>
+          </a:p>
+          <a:p>
+            <a:pPr algn="just"/>
+            <a:r>
+              <a:rPr lang="en-US" sz="2000" b="1" noProof="1">
+                <a:solidFill>
+                  <a:schemeClr val="accent5">
+                    <a:lumMod val="75000"/>
+                  </a:schemeClr>
+                </a:solidFill>
+              </a:rPr>
+              <a:t>	stri_detect		does pattern occur at least once?</a:t>
+            </a:r>
+          </a:p>
+          <a:p>
+            <a:pPr algn="just"/>
+            <a:r>
+              <a:rPr lang="en-US" sz="2000" b="1" noProof="1">
+                <a:solidFill>
+                  <a:schemeClr val="accent5">
+                    <a:lumMod val="75000"/>
+                  </a:schemeClr>
+                </a:solidFill>
+              </a:rPr>
+              <a:t>	stri_extract_all		extract all occurances of the pattern</a:t>
+            </a:r>
+          </a:p>
+          <a:p>
+            <a:pPr algn="just"/>
+            <a:r>
+              <a:rPr lang="en-US" sz="2000" b="1" noProof="1">
+                <a:solidFill>
+                  <a:schemeClr val="accent5">
+                    <a:lumMod val="75000"/>
+                  </a:schemeClr>
+                </a:solidFill>
+              </a:rPr>
+              <a:t>	stri_extract_first		extract the first occurances of the pattern</a:t>
+            </a:r>
+          </a:p>
+          <a:p>
+            <a:pPr algn="just"/>
+            <a:r>
+              <a:rPr lang="en-US" sz="2000" b="1" noProof="1">
+                <a:solidFill>
+                  <a:schemeClr val="accent5">
+                    <a:lumMod val="75000"/>
+                  </a:schemeClr>
+                </a:solidFill>
+              </a:rPr>
+              <a:t>	stri_replace_all		replace all occurances of the pattern with a fixed string</a:t>
+            </a:r>
+          </a:p>
+          <a:p>
+            <a:pPr algn="just"/>
+            <a:r>
+              <a:rPr lang="en-US" sz="2000" b="1" noProof="1">
+                <a:solidFill>
+                  <a:schemeClr val="accent5">
+                    <a:lumMod val="75000"/>
+                  </a:schemeClr>
+                </a:solidFill>
+              </a:rPr>
+              <a:t>	stri_split		split string into substrings, using patterns as the split</a:t>
+            </a:r>
+          </a:p>
+          <a:p>
+            <a:pPr algn="just"/>
+            <a:endParaRPr lang="en-US" sz="2000" noProof="1"/>
+          </a:p>
+          <a:p>
+            <a:pPr algn="just"/>
+            <a:r>
+              <a:rPr lang="en-US" sz="2000" noProof="1"/>
+              <a:t>There are also some related stringi functions that do not take a regular expression as an input:	</a:t>
+            </a:r>
+          </a:p>
+          <a:p>
+            <a:pPr algn="just"/>
+            <a:r>
+              <a:rPr lang="en-US" sz="2000" noProof="1"/>
+              <a:t>	</a:t>
+            </a:r>
+          </a:p>
+          <a:p>
+            <a:pPr algn="just"/>
+            <a:r>
+              <a:rPr lang="en-US" sz="2000" b="1" noProof="1">
+                <a:solidFill>
+                  <a:schemeClr val="accent5">
+                    <a:lumMod val="75000"/>
+                  </a:schemeClr>
+                </a:solidFill>
+              </a:rPr>
+              <a:t>	stri_length		how many characters are in the string</a:t>
+            </a:r>
+          </a:p>
+          <a:p>
+            <a:pPr algn="just"/>
+            <a:r>
+              <a:rPr lang="en-US" sz="2000" b="1" noProof="1">
+                <a:solidFill>
+                  <a:schemeClr val="accent5">
+                    <a:lumMod val="75000"/>
+                  </a:schemeClr>
+                </a:solidFill>
+              </a:rPr>
+              <a:t>	stri_sub			take a substring by position</a:t>
+            </a:r>
+          </a:p>
+          <a:p>
+            <a:pPr algn="just"/>
+            <a:r>
+              <a:rPr lang="en-US" sz="2000" b="1" noProof="1">
+                <a:solidFill>
+                  <a:schemeClr val="accent5">
+                    <a:lumMod val="75000"/>
+                  </a:schemeClr>
+                </a:solidFill>
+              </a:rPr>
+              <a:t>	stri_trans_toupper	convert to uppercase</a:t>
+            </a:r>
+          </a:p>
+          <a:p>
+            <a:pPr algn="just"/>
+            <a:r>
+              <a:rPr lang="en-US" sz="2000" b="1" noProof="1">
+                <a:solidFill>
+                  <a:schemeClr val="accent5">
+                    <a:lumMod val="75000"/>
+                  </a:schemeClr>
+                </a:solidFill>
+              </a:rPr>
+              <a:t>	stri_trans_tolower	convert to lowercase</a:t>
+            </a:r>
+          </a:p>
+          <a:p>
+            <a:pPr algn="just"/>
+            <a:r>
+              <a:rPr lang="en-US" sz="2000" b="1" noProof="1">
+                <a:solidFill>
+                  <a:schemeClr val="accent5">
+                    <a:lumMod val="75000"/>
+                  </a:schemeClr>
+                </a:solidFill>
+              </a:rPr>
+              <a:t>	stri_trans_totitle		convert to title case</a:t>
+            </a:r>
+          </a:p>
+          <a:p>
+            <a:pPr algn="just"/>
+            <a:r>
+              <a:rPr lang="en-US" sz="2000" noProof="1"/>
+              <a:t>	</a:t>
+            </a:r>
+          </a:p>
+        </p:txBody>
+      </p:sp>
+    </p:spTree>
+    <p:extLst>
+      <p:ext uri="{BB962C8B-B14F-4D97-AF65-F5344CB8AC3E}">
+        <p14:creationId xmlns:p14="http://schemas.microsoft.com/office/powerpoint/2010/main" val="3060145005"/>
+      </p:ext>
+    </p:extLst>
+  </p:cSld>
+  <p:clrMapOvr>
+    <a:masterClrMapping/>
+  </p:clrMapOvr>
+</p:sld>
+</file>
+
+<file path=ppt/slides/slide6.xml><?xml version="1.0" encoding="utf-8"?>
+<p:sld xmlns:a="http://schemas.openxmlformats.org/drawingml/2006/main" xmlns:r="http://schemas.openxmlformats.org/officeDocument/2006/relationships" xmlns:p="http://schemas.openxmlformats.org/presentationml/2006/main">
+  <p:cSld>
+    <p:spTree>
+      <p:nvGrpSpPr>
+        <p:cNvPr id="1" name=""/>
+        <p:cNvGrpSpPr/>
+        <p:nvPr/>
+      </p:nvGrpSpPr>
+      <p:grpSpPr>
+        <a:xfrm>
+          <a:off x="0" y="0"/>
+          <a:ext cx="0" cy="0"/>
+          <a:chOff x="0" y="0"/>
+          <a:chExt cx="0" cy="0"/>
+        </a:xfrm>
+      </p:grpSpPr>
+      <p:pic>
+        <p:nvPicPr>
+          <p:cNvPr id="1026" name="Picture 2">
+            <a:extLst>
+              <a:ext uri="{FF2B5EF4-FFF2-40B4-BE49-F238E27FC236}">
+                <a16:creationId xmlns:a16="http://schemas.microsoft.com/office/drawing/2014/main" id="{ECEC78D4-0EC8-6148-B750-42F18BFCA56C}"/>
+              </a:ext>
+            </a:extLst>
+          </p:cNvPr>
+          <p:cNvPicPr>
+            <a:picLocks noChangeAspect="1" noChangeArrowheads="1"/>
+          </p:cNvPicPr>
+          <p:nvPr/>
+        </p:nvPicPr>
+        <p:blipFill>
+          <a:blip r:embed="rId2">
+            <a:extLst>
+              <a:ext uri="{28A0092B-C50C-407E-A947-70E740481C1C}">
+                <a14:useLocalDpi xmlns:a14="http://schemas.microsoft.com/office/drawing/2010/main" val="0"/>
+              </a:ext>
+            </a:extLst>
+          </a:blip>
+          <a:srcRect/>
+          <a:stretch>
+            <a:fillRect/>
+          </a:stretch>
+        </p:blipFill>
+        <p:spPr bwMode="auto">
+          <a:xfrm>
+            <a:off x="11267345" y="6475487"/>
+            <a:ext cx="856587" cy="299700"/>
+          </a:xfrm>
+          <a:prstGeom prst="rect">
+            <a:avLst/>
+          </a:prstGeom>
+          <a:noFill/>
+          <a:extLst>
+            <a:ext uri="{909E8E84-426E-40DD-AFC4-6F175D3DCCD1}">
+              <a14:hiddenFill xmlns:a14="http://schemas.microsoft.com/office/drawing/2010/main">
+                <a:solidFill>
+                  <a:srgbClr val="FFFFFF"/>
+                </a:solidFill>
+              </a14:hiddenFill>
+            </a:ext>
+          </a:extLst>
+        </p:spPr>
+      </p:pic>
+      <p:sp>
+        <p:nvSpPr>
+          <p:cNvPr id="76" name="ZoneTexte 75">
+            <a:extLst>
+              <a:ext uri="{FF2B5EF4-FFF2-40B4-BE49-F238E27FC236}">
+                <a16:creationId xmlns:a16="http://schemas.microsoft.com/office/drawing/2014/main" id="{827C32F7-EAB8-F143-B412-CBD04F7209BF}"/>
+              </a:ext>
+            </a:extLst>
+          </p:cNvPr>
+          <p:cNvSpPr txBox="1"/>
+          <p:nvPr/>
+        </p:nvSpPr>
+        <p:spPr>
+          <a:xfrm>
+            <a:off x="68068" y="6475487"/>
+            <a:ext cx="4030964" cy="338554"/>
+          </a:xfrm>
+          <a:prstGeom prst="rect">
+            <a:avLst/>
+          </a:prstGeom>
+          <a:noFill/>
+        </p:spPr>
+        <p:txBody>
+          <a:bodyPr wrap="square" rtlCol="0">
+            <a:spAutoFit/>
+          </a:bodyPr>
+          <a:lstStyle/>
+          <a:p>
+            <a:r>
+              <a:rPr lang="fr-FR" sz="1600" noProof="1">
+                <a:solidFill>
+                  <a:schemeClr val="bg1">
+                    <a:lumMod val="65000"/>
+                  </a:schemeClr>
+                </a:solidFill>
+              </a:rPr>
+              <a:t>T. ARNOLD</a:t>
+            </a:r>
+          </a:p>
+        </p:txBody>
+      </p:sp>
       <p:pic>
         <p:nvPicPr>
           <p:cNvPr id="1028" name="Picture 4" descr="Perl Problems">
@@ -3552,7 +5002,7 @@
 </p:sld>
 </file>
 
-<file path=ppt/slides/slide2.xml><?xml version="1.0" encoding="utf-8"?>
+<file path=ppt/slides/slide7.xml><?xml version="1.0" encoding="utf-8"?>
 <p:sld xmlns:a="http://schemas.openxmlformats.org/drawingml/2006/main" xmlns:r="http://schemas.openxmlformats.org/officeDocument/2006/relationships" xmlns:p="http://schemas.openxmlformats.org/presentationml/2006/main">
   <p:cSld>
     <p:spTree>
@@ -3744,1443 +5194,6 @@
     <p:extLst>
       <p:ext uri="{BB962C8B-B14F-4D97-AF65-F5344CB8AC3E}">
         <p14:creationId xmlns:p14="http://schemas.microsoft.com/office/powerpoint/2010/main" val="3176287124"/>
-      </p:ext>
-    </p:extLst>
-  </p:cSld>
-  <p:clrMapOvr>
-    <a:masterClrMapping/>
-  </p:clrMapOvr>
-</p:sld>
-</file>
-
-<file path=ppt/slides/slide3.xml><?xml version="1.0" encoding="utf-8"?>
-<p:sld xmlns:a="http://schemas.openxmlformats.org/drawingml/2006/main" xmlns:r="http://schemas.openxmlformats.org/officeDocument/2006/relationships" xmlns:p="http://schemas.openxmlformats.org/presentationml/2006/main">
-  <p:cSld>
-    <p:spTree>
-      <p:nvGrpSpPr>
-        <p:cNvPr id="1" name=""/>
-        <p:cNvGrpSpPr/>
-        <p:nvPr/>
-      </p:nvGrpSpPr>
-      <p:grpSpPr>
-        <a:xfrm>
-          <a:off x="0" y="0"/>
-          <a:ext cx="0" cy="0"/>
-          <a:chOff x="0" y="0"/>
-          <a:chExt cx="0" cy="0"/>
-        </a:xfrm>
-      </p:grpSpPr>
-      <p:sp>
-        <p:nvSpPr>
-          <p:cNvPr id="72" name="ZoneTexte 71">
-            <a:extLst>
-              <a:ext uri="{FF2B5EF4-FFF2-40B4-BE49-F238E27FC236}">
-                <a16:creationId xmlns:a16="http://schemas.microsoft.com/office/drawing/2014/main" id="{3890A706-5F2B-E84E-A26A-A267907CC130}"/>
-              </a:ext>
-            </a:extLst>
-          </p:cNvPr>
-          <p:cNvSpPr txBox="1"/>
-          <p:nvPr/>
-        </p:nvSpPr>
-        <p:spPr>
-          <a:xfrm>
-            <a:off x="1498547" y="307658"/>
-            <a:ext cx="9194905" cy="830997"/>
-          </a:xfrm>
-          <a:prstGeom prst="rect">
-            <a:avLst/>
-          </a:prstGeom>
-          <a:noFill/>
-        </p:spPr>
-        <p:txBody>
-          <a:bodyPr wrap="square" rtlCol="0">
-            <a:spAutoFit/>
-          </a:bodyPr>
-          <a:lstStyle/>
-          <a:p>
-            <a:pPr algn="ctr"/>
-            <a:r>
-              <a:rPr lang="fr-FR" sz="4800" b="1" u="sng" noProof="1"/>
-              <a:t>Regular Expressions</a:t>
-            </a:r>
-          </a:p>
-        </p:txBody>
-      </p:sp>
-      <p:pic>
-        <p:nvPicPr>
-          <p:cNvPr id="1026" name="Picture 2">
-            <a:extLst>
-              <a:ext uri="{FF2B5EF4-FFF2-40B4-BE49-F238E27FC236}">
-                <a16:creationId xmlns:a16="http://schemas.microsoft.com/office/drawing/2014/main" id="{ECEC78D4-0EC8-6148-B750-42F18BFCA56C}"/>
-              </a:ext>
-            </a:extLst>
-          </p:cNvPr>
-          <p:cNvPicPr>
-            <a:picLocks noChangeAspect="1" noChangeArrowheads="1"/>
-          </p:cNvPicPr>
-          <p:nvPr/>
-        </p:nvPicPr>
-        <p:blipFill>
-          <a:blip r:embed="rId2">
-            <a:extLst>
-              <a:ext uri="{28A0092B-C50C-407E-A947-70E740481C1C}">
-                <a14:useLocalDpi xmlns:a14="http://schemas.microsoft.com/office/drawing/2010/main" val="0"/>
-              </a:ext>
-            </a:extLst>
-          </a:blip>
-          <a:srcRect/>
-          <a:stretch>
-            <a:fillRect/>
-          </a:stretch>
-        </p:blipFill>
-        <p:spPr bwMode="auto">
-          <a:xfrm>
-            <a:off x="11267345" y="6475487"/>
-            <a:ext cx="856587" cy="299700"/>
-          </a:xfrm>
-          <a:prstGeom prst="rect">
-            <a:avLst/>
-          </a:prstGeom>
-          <a:noFill/>
-          <a:extLst>
-            <a:ext uri="{909E8E84-426E-40DD-AFC4-6F175D3DCCD1}">
-              <a14:hiddenFill xmlns:a14="http://schemas.microsoft.com/office/drawing/2010/main">
-                <a:solidFill>
-                  <a:srgbClr val="FFFFFF"/>
-                </a:solidFill>
-              </a14:hiddenFill>
-            </a:ext>
-          </a:extLst>
-        </p:spPr>
-      </p:pic>
-      <p:sp>
-        <p:nvSpPr>
-          <p:cNvPr id="76" name="ZoneTexte 75">
-            <a:extLst>
-              <a:ext uri="{FF2B5EF4-FFF2-40B4-BE49-F238E27FC236}">
-                <a16:creationId xmlns:a16="http://schemas.microsoft.com/office/drawing/2014/main" id="{827C32F7-EAB8-F143-B412-CBD04F7209BF}"/>
-              </a:ext>
-            </a:extLst>
-          </p:cNvPr>
-          <p:cNvSpPr txBox="1"/>
-          <p:nvPr/>
-        </p:nvSpPr>
-        <p:spPr>
-          <a:xfrm>
-            <a:off x="68068" y="6475487"/>
-            <a:ext cx="4030964" cy="338554"/>
-          </a:xfrm>
-          <a:prstGeom prst="rect">
-            <a:avLst/>
-          </a:prstGeom>
-          <a:noFill/>
-        </p:spPr>
-        <p:txBody>
-          <a:bodyPr wrap="square" rtlCol="0">
-            <a:spAutoFit/>
-          </a:bodyPr>
-          <a:lstStyle/>
-          <a:p>
-            <a:r>
-              <a:rPr lang="fr-FR" sz="1600" noProof="1">
-                <a:solidFill>
-                  <a:schemeClr val="bg1">
-                    <a:lumMod val="65000"/>
-                  </a:schemeClr>
-                </a:solidFill>
-              </a:rPr>
-              <a:t>T. ARNOLD</a:t>
-            </a:r>
-          </a:p>
-        </p:txBody>
-      </p:sp>
-      <p:sp>
-        <p:nvSpPr>
-          <p:cNvPr id="48" name="ZoneTexte 47">
-            <a:extLst>
-              <a:ext uri="{FF2B5EF4-FFF2-40B4-BE49-F238E27FC236}">
-                <a16:creationId xmlns:a16="http://schemas.microsoft.com/office/drawing/2014/main" id="{D3C4FD66-2FFB-054A-9FC5-47527FF27949}"/>
-              </a:ext>
-            </a:extLst>
-          </p:cNvPr>
-          <p:cNvSpPr txBox="1"/>
-          <p:nvPr/>
-        </p:nvSpPr>
-        <p:spPr>
-          <a:xfrm>
-            <a:off x="772886" y="1225807"/>
-            <a:ext cx="11005457" cy="5324535"/>
-          </a:xfrm>
-          <a:prstGeom prst="rect">
-            <a:avLst/>
-          </a:prstGeom>
-          <a:noFill/>
-        </p:spPr>
-        <p:txBody>
-          <a:bodyPr wrap="square" rtlCol="0">
-            <a:spAutoFit/>
-          </a:bodyPr>
-          <a:lstStyle/>
-          <a:p>
-            <a:pPr algn="just"/>
-            <a:r>
-              <a:rPr lang="en-US" sz="2000" noProof="1"/>
-              <a:t>As you read, regular expressions (or regex) provide a language for describing a search pattern that will match patterns in a string. They can get very complex, but usually we only need relatively simple regular expressions for data science applications.</a:t>
-            </a:r>
-          </a:p>
-          <a:p>
-            <a:pPr algn="just"/>
-            <a:endParaRPr lang="en-US" sz="2000" noProof="1"/>
-          </a:p>
-          <a:p>
-            <a:pPr algn="just"/>
-            <a:r>
-              <a:rPr lang="en-US" sz="2000" b="1" noProof="1">
-                <a:solidFill>
-                  <a:schemeClr val="accent5">
-                    <a:lumMod val="75000"/>
-                  </a:schemeClr>
-                </a:solidFill>
-              </a:rPr>
-              <a:t>	</a:t>
-            </a:r>
-            <a:r>
-              <a:rPr lang="en-US" sz="2000" b="1" dirty="0">
-                <a:solidFill>
-                  <a:schemeClr val="accent5">
-                    <a:lumMod val="75000"/>
-                  </a:schemeClr>
-                </a:solidFill>
-              </a:rPr>
-              <a:t>\A		start of string</a:t>
-            </a:r>
-          </a:p>
-          <a:p>
-            <a:pPr algn="just"/>
-            <a:r>
-              <a:rPr lang="en-US" sz="2000" b="1" noProof="1">
-                <a:solidFill>
-                  <a:schemeClr val="accent5">
-                    <a:lumMod val="75000"/>
-                  </a:schemeClr>
-                </a:solidFill>
-              </a:rPr>
-              <a:t>	\Z		end of string</a:t>
-            </a:r>
-          </a:p>
-          <a:p>
-            <a:pPr algn="just"/>
-            <a:r>
-              <a:rPr lang="en-US" sz="2000" b="1" noProof="1">
-                <a:solidFill>
-                  <a:schemeClr val="accent5">
-                    <a:lumMod val="75000"/>
-                  </a:schemeClr>
-                </a:solidFill>
-              </a:rPr>
-              <a:t>	\w		match word character (note: lowercase w)</a:t>
-            </a:r>
-          </a:p>
-          <a:p>
-            <a:pPr algn="just"/>
-            <a:r>
-              <a:rPr lang="en-US" sz="2000" b="1" noProof="1">
-                <a:solidFill>
-                  <a:schemeClr val="accent5">
-                    <a:lumMod val="75000"/>
-                  </a:schemeClr>
-                </a:solidFill>
-              </a:rPr>
-              <a:t>	\W		match any non-word character (note: uppercase W)</a:t>
-            </a:r>
-          </a:p>
-          <a:p>
-            <a:pPr algn="just"/>
-            <a:r>
-              <a:rPr lang="en-US" sz="2000" b="1" noProof="1">
-                <a:solidFill>
-                  <a:schemeClr val="accent5">
-                    <a:lumMod val="75000"/>
-                  </a:schemeClr>
-                </a:solidFill>
-              </a:rPr>
-              <a:t>	.		any character (other than new line)</a:t>
-            </a:r>
-          </a:p>
-          <a:p>
-            <a:pPr algn="just"/>
-            <a:r>
-              <a:rPr lang="en-US" sz="2000" b="1" noProof="1">
-                <a:solidFill>
-                  <a:schemeClr val="accent5">
-                    <a:lumMod val="75000"/>
-                  </a:schemeClr>
-                </a:solidFill>
-              </a:rPr>
-              <a:t>	[  ]		match any (single) character inside bracket</a:t>
-            </a:r>
-          </a:p>
-          <a:p>
-            <a:pPr algn="just"/>
-            <a:r>
-              <a:rPr lang="en-US" sz="2000" b="1" noProof="1">
-                <a:solidFill>
-                  <a:schemeClr val="accent5">
-                    <a:lumMod val="75000"/>
-                  </a:schemeClr>
-                </a:solidFill>
-              </a:rPr>
-              <a:t>	[  ]*		match 0 or more characters inside bracket</a:t>
-            </a:r>
-          </a:p>
-          <a:p>
-            <a:pPr algn="just"/>
-            <a:r>
-              <a:rPr lang="en-US" sz="2000" b="1" noProof="1">
-                <a:solidFill>
-                  <a:schemeClr val="accent5">
-                    <a:lumMod val="75000"/>
-                  </a:schemeClr>
-                </a:solidFill>
-              </a:rPr>
-              <a:t>	[  ]+		match 1 or more characters inside bracket</a:t>
-            </a:r>
-          </a:p>
-          <a:p>
-            <a:pPr algn="just"/>
-            <a:r>
-              <a:rPr lang="en-US" sz="2000" b="1" noProof="1">
-                <a:solidFill>
-                  <a:schemeClr val="accent5">
-                    <a:lumMod val="75000"/>
-                  </a:schemeClr>
-                </a:solidFill>
-              </a:rPr>
-              <a:t>	[^  ]		match any number of character NOT inside bracket</a:t>
-            </a:r>
-          </a:p>
-          <a:p>
-            <a:pPr algn="just"/>
-            <a:endParaRPr lang="en-US" sz="2000" b="1" noProof="1">
-              <a:solidFill>
-                <a:schemeClr val="accent5">
-                  <a:lumMod val="75000"/>
-                </a:schemeClr>
-              </a:solidFill>
-            </a:endParaRPr>
-          </a:p>
-          <a:p>
-            <a:pPr algn="just"/>
-            <a:r>
-              <a:rPr lang="en-US" sz="2000" b="1" noProof="1">
-                <a:solidFill>
-                  <a:schemeClr val="accent5">
-                    <a:lumMod val="75000"/>
-                  </a:schemeClr>
-                </a:solidFill>
-              </a:rPr>
-              <a:t>	0-9		numeric digits</a:t>
-            </a:r>
-          </a:p>
-          <a:p>
-            <a:pPr algn="just"/>
-            <a:r>
-              <a:rPr lang="en-US" sz="2000" b="1" noProof="1">
-                <a:solidFill>
-                  <a:schemeClr val="accent5">
-                    <a:lumMod val="75000"/>
-                  </a:schemeClr>
-                </a:solidFill>
-              </a:rPr>
-              <a:t>	a-z		lowercase letters</a:t>
-            </a:r>
-          </a:p>
-          <a:p>
-            <a:pPr algn="just"/>
-            <a:r>
-              <a:rPr lang="en-US" sz="2000" b="1" noProof="1">
-                <a:solidFill>
-                  <a:schemeClr val="accent5">
-                    <a:lumMod val="75000"/>
-                  </a:schemeClr>
-                </a:solidFill>
-              </a:rPr>
-              <a:t>	A-Z		uppercase letters</a:t>
-            </a:r>
-          </a:p>
-        </p:txBody>
-      </p:sp>
-      <p:sp>
-        <p:nvSpPr>
-          <p:cNvPr id="6" name="ZoneTexte 5">
-            <a:extLst>
-              <a:ext uri="{FF2B5EF4-FFF2-40B4-BE49-F238E27FC236}">
-                <a16:creationId xmlns:a16="http://schemas.microsoft.com/office/drawing/2014/main" id="{7AA64C54-82B6-3147-87CE-2B1DA3E0341A}"/>
-              </a:ext>
-            </a:extLst>
-          </p:cNvPr>
-          <p:cNvSpPr txBox="1"/>
-          <p:nvPr/>
-        </p:nvSpPr>
-        <p:spPr>
-          <a:xfrm>
-            <a:off x="5748217" y="5863121"/>
-            <a:ext cx="4070697" cy="338554"/>
-          </a:xfrm>
-          <a:prstGeom prst="rect">
-            <a:avLst/>
-          </a:prstGeom>
-          <a:noFill/>
-        </p:spPr>
-        <p:txBody>
-          <a:bodyPr wrap="square" rtlCol="0">
-            <a:spAutoFit/>
-          </a:bodyPr>
-          <a:lstStyle/>
-          <a:p>
-            <a:pPr algn="ctr"/>
-            <a:r>
-              <a:rPr lang="en-US" sz="1600" noProof="1">
-                <a:solidFill>
-                  <a:schemeClr val="accent5">
-                    <a:lumMod val="75000"/>
-                  </a:schemeClr>
-                </a:solidFill>
-              </a:rPr>
-              <a:t>[note: these must be used inside brackets]</a:t>
-            </a:r>
-          </a:p>
-        </p:txBody>
-      </p:sp>
-      <p:sp>
-        <p:nvSpPr>
-          <p:cNvPr id="7" name="ZoneTexte 6">
-            <a:extLst>
-              <a:ext uri="{FF2B5EF4-FFF2-40B4-BE49-F238E27FC236}">
-                <a16:creationId xmlns:a16="http://schemas.microsoft.com/office/drawing/2014/main" id="{4164AD59-6E98-BD4F-8F08-FF6ED02C19D9}"/>
-              </a:ext>
-            </a:extLst>
-          </p:cNvPr>
-          <p:cNvSpPr txBox="1"/>
-          <p:nvPr/>
-        </p:nvSpPr>
-        <p:spPr>
-          <a:xfrm>
-            <a:off x="7798832" y="2823527"/>
-            <a:ext cx="4070697" cy="338554"/>
-          </a:xfrm>
-          <a:prstGeom prst="rect">
-            <a:avLst/>
-          </a:prstGeom>
-          <a:noFill/>
-        </p:spPr>
-        <p:txBody>
-          <a:bodyPr wrap="square" rtlCol="0">
-            <a:spAutoFit/>
-          </a:bodyPr>
-          <a:lstStyle/>
-          <a:p>
-            <a:pPr algn="ctr"/>
-            <a:r>
-              <a:rPr lang="en-US" sz="1600" noProof="1">
-                <a:solidFill>
-                  <a:schemeClr val="accent5">
-                    <a:lumMod val="75000"/>
-                  </a:schemeClr>
-                </a:solidFill>
-              </a:rPr>
-              <a:t>[note: you will need to write two slashes in R]</a:t>
-            </a:r>
-          </a:p>
-        </p:txBody>
-      </p:sp>
-    </p:spTree>
-    <p:extLst>
-      <p:ext uri="{BB962C8B-B14F-4D97-AF65-F5344CB8AC3E}">
-        <p14:creationId xmlns:p14="http://schemas.microsoft.com/office/powerpoint/2010/main" val="3524561122"/>
-      </p:ext>
-    </p:extLst>
-  </p:cSld>
-  <p:clrMapOvr>
-    <a:masterClrMapping/>
-  </p:clrMapOvr>
-</p:sld>
-</file>
-
-<file path=ppt/slides/slide4.xml><?xml version="1.0" encoding="utf-8"?>
-<p:sld xmlns:a="http://schemas.openxmlformats.org/drawingml/2006/main" xmlns:r="http://schemas.openxmlformats.org/officeDocument/2006/relationships" xmlns:p="http://schemas.openxmlformats.org/presentationml/2006/main">
-  <p:cSld>
-    <p:spTree>
-      <p:nvGrpSpPr>
-        <p:cNvPr id="1" name=""/>
-        <p:cNvGrpSpPr/>
-        <p:nvPr/>
-      </p:nvGrpSpPr>
-      <p:grpSpPr>
-        <a:xfrm>
-          <a:off x="0" y="0"/>
-          <a:ext cx="0" cy="0"/>
-          <a:chOff x="0" y="0"/>
-          <a:chExt cx="0" cy="0"/>
-        </a:xfrm>
-      </p:grpSpPr>
-      <p:sp>
-        <p:nvSpPr>
-          <p:cNvPr id="72" name="ZoneTexte 71">
-            <a:extLst>
-              <a:ext uri="{FF2B5EF4-FFF2-40B4-BE49-F238E27FC236}">
-                <a16:creationId xmlns:a16="http://schemas.microsoft.com/office/drawing/2014/main" id="{3890A706-5F2B-E84E-A26A-A267907CC130}"/>
-              </a:ext>
-            </a:extLst>
-          </p:cNvPr>
-          <p:cNvSpPr txBox="1"/>
-          <p:nvPr/>
-        </p:nvSpPr>
-        <p:spPr>
-          <a:xfrm>
-            <a:off x="1498547" y="307658"/>
-            <a:ext cx="9194905" cy="830997"/>
-          </a:xfrm>
-          <a:prstGeom prst="rect">
-            <a:avLst/>
-          </a:prstGeom>
-          <a:noFill/>
-        </p:spPr>
-        <p:txBody>
-          <a:bodyPr wrap="square" rtlCol="0">
-            <a:spAutoFit/>
-          </a:bodyPr>
-          <a:lstStyle/>
-          <a:p>
-            <a:pPr algn="ctr"/>
-            <a:r>
-              <a:rPr lang="fr-FR" sz="4800" b="1" u="sng" noProof="1"/>
-              <a:t>Example #1</a:t>
-            </a:r>
-          </a:p>
-        </p:txBody>
-      </p:sp>
-      <p:pic>
-        <p:nvPicPr>
-          <p:cNvPr id="1026" name="Picture 2">
-            <a:extLst>
-              <a:ext uri="{FF2B5EF4-FFF2-40B4-BE49-F238E27FC236}">
-                <a16:creationId xmlns:a16="http://schemas.microsoft.com/office/drawing/2014/main" id="{ECEC78D4-0EC8-6148-B750-42F18BFCA56C}"/>
-              </a:ext>
-            </a:extLst>
-          </p:cNvPr>
-          <p:cNvPicPr>
-            <a:picLocks noChangeAspect="1" noChangeArrowheads="1"/>
-          </p:cNvPicPr>
-          <p:nvPr/>
-        </p:nvPicPr>
-        <p:blipFill>
-          <a:blip r:embed="rId2">
-            <a:extLst>
-              <a:ext uri="{28A0092B-C50C-407E-A947-70E740481C1C}">
-                <a14:useLocalDpi xmlns:a14="http://schemas.microsoft.com/office/drawing/2010/main" val="0"/>
-              </a:ext>
-            </a:extLst>
-          </a:blip>
-          <a:srcRect/>
-          <a:stretch>
-            <a:fillRect/>
-          </a:stretch>
-        </p:blipFill>
-        <p:spPr bwMode="auto">
-          <a:xfrm>
-            <a:off x="11267345" y="6475487"/>
-            <a:ext cx="856587" cy="299700"/>
-          </a:xfrm>
-          <a:prstGeom prst="rect">
-            <a:avLst/>
-          </a:prstGeom>
-          <a:noFill/>
-          <a:extLst>
-            <a:ext uri="{909E8E84-426E-40DD-AFC4-6F175D3DCCD1}">
-              <a14:hiddenFill xmlns:a14="http://schemas.microsoft.com/office/drawing/2010/main">
-                <a:solidFill>
-                  <a:srgbClr val="FFFFFF"/>
-                </a:solidFill>
-              </a14:hiddenFill>
-            </a:ext>
-          </a:extLst>
-        </p:spPr>
-      </p:pic>
-      <p:sp>
-        <p:nvSpPr>
-          <p:cNvPr id="76" name="ZoneTexte 75">
-            <a:extLst>
-              <a:ext uri="{FF2B5EF4-FFF2-40B4-BE49-F238E27FC236}">
-                <a16:creationId xmlns:a16="http://schemas.microsoft.com/office/drawing/2014/main" id="{827C32F7-EAB8-F143-B412-CBD04F7209BF}"/>
-              </a:ext>
-            </a:extLst>
-          </p:cNvPr>
-          <p:cNvSpPr txBox="1"/>
-          <p:nvPr/>
-        </p:nvSpPr>
-        <p:spPr>
-          <a:xfrm>
-            <a:off x="68068" y="6475487"/>
-            <a:ext cx="4030964" cy="338554"/>
-          </a:xfrm>
-          <a:prstGeom prst="rect">
-            <a:avLst/>
-          </a:prstGeom>
-          <a:noFill/>
-        </p:spPr>
-        <p:txBody>
-          <a:bodyPr wrap="square" rtlCol="0">
-            <a:spAutoFit/>
-          </a:bodyPr>
-          <a:lstStyle/>
-          <a:p>
-            <a:r>
-              <a:rPr lang="fr-FR" sz="1600" noProof="1">
-                <a:solidFill>
-                  <a:schemeClr val="bg1">
-                    <a:lumMod val="65000"/>
-                  </a:schemeClr>
-                </a:solidFill>
-              </a:rPr>
-              <a:t>T. ARNOLD</a:t>
-            </a:r>
-          </a:p>
-        </p:txBody>
-      </p:sp>
-      <p:sp>
-        <p:nvSpPr>
-          <p:cNvPr id="48" name="ZoneTexte 47">
-            <a:extLst>
-              <a:ext uri="{FF2B5EF4-FFF2-40B4-BE49-F238E27FC236}">
-                <a16:creationId xmlns:a16="http://schemas.microsoft.com/office/drawing/2014/main" id="{D3C4FD66-2FFB-054A-9FC5-47527FF27949}"/>
-              </a:ext>
-            </a:extLst>
-          </p:cNvPr>
-          <p:cNvSpPr txBox="1"/>
-          <p:nvPr/>
-        </p:nvSpPr>
-        <p:spPr>
-          <a:xfrm>
-            <a:off x="1063117" y="2644170"/>
-            <a:ext cx="10377767" cy="1569660"/>
-          </a:xfrm>
-          <a:prstGeom prst="rect">
-            <a:avLst/>
-          </a:prstGeom>
-          <a:noFill/>
-        </p:spPr>
-        <p:txBody>
-          <a:bodyPr wrap="square" rtlCol="0">
-            <a:spAutoFit/>
-          </a:bodyPr>
-          <a:lstStyle/>
-          <a:p>
-            <a:pPr algn="ctr"/>
-            <a:r>
-              <a:rPr lang="en-US" sz="3200" noProof="1"/>
-              <a:t>How would you describe the following regex query?</a:t>
-            </a:r>
-          </a:p>
-          <a:p>
-            <a:pPr algn="just"/>
-            <a:r>
-              <a:rPr lang="en-US" sz="3200" noProof="1"/>
-              <a:t> </a:t>
-            </a:r>
-          </a:p>
-          <a:p>
-            <a:pPr algn="ctr"/>
-            <a:r>
-              <a:rPr lang="en-US" sz="3200" b="1" noProof="1"/>
-              <a:t>[\w]+ing</a:t>
-            </a:r>
-          </a:p>
-        </p:txBody>
-      </p:sp>
-    </p:spTree>
-    <p:extLst>
-      <p:ext uri="{BB962C8B-B14F-4D97-AF65-F5344CB8AC3E}">
-        <p14:creationId xmlns:p14="http://schemas.microsoft.com/office/powerpoint/2010/main" val="3128788696"/>
-      </p:ext>
-    </p:extLst>
-  </p:cSld>
-  <p:clrMapOvr>
-    <a:masterClrMapping/>
-  </p:clrMapOvr>
-</p:sld>
-</file>
-
-<file path=ppt/slides/slide5.xml><?xml version="1.0" encoding="utf-8"?>
-<p:sld xmlns:a="http://schemas.openxmlformats.org/drawingml/2006/main" xmlns:r="http://schemas.openxmlformats.org/officeDocument/2006/relationships" xmlns:p="http://schemas.openxmlformats.org/presentationml/2006/main">
-  <p:cSld>
-    <p:spTree>
-      <p:nvGrpSpPr>
-        <p:cNvPr id="1" name=""/>
-        <p:cNvGrpSpPr/>
-        <p:nvPr/>
-      </p:nvGrpSpPr>
-      <p:grpSpPr>
-        <a:xfrm>
-          <a:off x="0" y="0"/>
-          <a:ext cx="0" cy="0"/>
-          <a:chOff x="0" y="0"/>
-          <a:chExt cx="0" cy="0"/>
-        </a:xfrm>
-      </p:grpSpPr>
-      <p:sp>
-        <p:nvSpPr>
-          <p:cNvPr id="72" name="ZoneTexte 71">
-            <a:extLst>
-              <a:ext uri="{FF2B5EF4-FFF2-40B4-BE49-F238E27FC236}">
-                <a16:creationId xmlns:a16="http://schemas.microsoft.com/office/drawing/2014/main" id="{3890A706-5F2B-E84E-A26A-A267907CC130}"/>
-              </a:ext>
-            </a:extLst>
-          </p:cNvPr>
-          <p:cNvSpPr txBox="1"/>
-          <p:nvPr/>
-        </p:nvSpPr>
-        <p:spPr>
-          <a:xfrm>
-            <a:off x="1498547" y="307658"/>
-            <a:ext cx="9194905" cy="830997"/>
-          </a:xfrm>
-          <a:prstGeom prst="rect">
-            <a:avLst/>
-          </a:prstGeom>
-          <a:noFill/>
-        </p:spPr>
-        <p:txBody>
-          <a:bodyPr wrap="square" rtlCol="0">
-            <a:spAutoFit/>
-          </a:bodyPr>
-          <a:lstStyle/>
-          <a:p>
-            <a:pPr algn="ctr"/>
-            <a:r>
-              <a:rPr lang="fr-FR" sz="4800" b="1" u="sng" noProof="1"/>
-              <a:t>Example #2</a:t>
-            </a:r>
-          </a:p>
-        </p:txBody>
-      </p:sp>
-      <p:pic>
-        <p:nvPicPr>
-          <p:cNvPr id="1026" name="Picture 2">
-            <a:extLst>
-              <a:ext uri="{FF2B5EF4-FFF2-40B4-BE49-F238E27FC236}">
-                <a16:creationId xmlns:a16="http://schemas.microsoft.com/office/drawing/2014/main" id="{ECEC78D4-0EC8-6148-B750-42F18BFCA56C}"/>
-              </a:ext>
-            </a:extLst>
-          </p:cNvPr>
-          <p:cNvPicPr>
-            <a:picLocks noChangeAspect="1" noChangeArrowheads="1"/>
-          </p:cNvPicPr>
-          <p:nvPr/>
-        </p:nvPicPr>
-        <p:blipFill>
-          <a:blip r:embed="rId2">
-            <a:extLst>
-              <a:ext uri="{28A0092B-C50C-407E-A947-70E740481C1C}">
-                <a14:useLocalDpi xmlns:a14="http://schemas.microsoft.com/office/drawing/2010/main" val="0"/>
-              </a:ext>
-            </a:extLst>
-          </a:blip>
-          <a:srcRect/>
-          <a:stretch>
-            <a:fillRect/>
-          </a:stretch>
-        </p:blipFill>
-        <p:spPr bwMode="auto">
-          <a:xfrm>
-            <a:off x="11267345" y="6475487"/>
-            <a:ext cx="856587" cy="299700"/>
-          </a:xfrm>
-          <a:prstGeom prst="rect">
-            <a:avLst/>
-          </a:prstGeom>
-          <a:noFill/>
-          <a:extLst>
-            <a:ext uri="{909E8E84-426E-40DD-AFC4-6F175D3DCCD1}">
-              <a14:hiddenFill xmlns:a14="http://schemas.microsoft.com/office/drawing/2010/main">
-                <a:solidFill>
-                  <a:srgbClr val="FFFFFF"/>
-                </a:solidFill>
-              </a14:hiddenFill>
-            </a:ext>
-          </a:extLst>
-        </p:spPr>
-      </p:pic>
-      <p:sp>
-        <p:nvSpPr>
-          <p:cNvPr id="76" name="ZoneTexte 75">
-            <a:extLst>
-              <a:ext uri="{FF2B5EF4-FFF2-40B4-BE49-F238E27FC236}">
-                <a16:creationId xmlns:a16="http://schemas.microsoft.com/office/drawing/2014/main" id="{827C32F7-EAB8-F143-B412-CBD04F7209BF}"/>
-              </a:ext>
-            </a:extLst>
-          </p:cNvPr>
-          <p:cNvSpPr txBox="1"/>
-          <p:nvPr/>
-        </p:nvSpPr>
-        <p:spPr>
-          <a:xfrm>
-            <a:off x="68068" y="6475487"/>
-            <a:ext cx="4030964" cy="338554"/>
-          </a:xfrm>
-          <a:prstGeom prst="rect">
-            <a:avLst/>
-          </a:prstGeom>
-          <a:noFill/>
-        </p:spPr>
-        <p:txBody>
-          <a:bodyPr wrap="square" rtlCol="0">
-            <a:spAutoFit/>
-          </a:bodyPr>
-          <a:lstStyle/>
-          <a:p>
-            <a:r>
-              <a:rPr lang="fr-FR" sz="1600" noProof="1">
-                <a:solidFill>
-                  <a:schemeClr val="bg1">
-                    <a:lumMod val="65000"/>
-                  </a:schemeClr>
-                </a:solidFill>
-              </a:rPr>
-              <a:t>T. ARNOLD</a:t>
-            </a:r>
-          </a:p>
-        </p:txBody>
-      </p:sp>
-      <p:sp>
-        <p:nvSpPr>
-          <p:cNvPr id="48" name="ZoneTexte 47">
-            <a:extLst>
-              <a:ext uri="{FF2B5EF4-FFF2-40B4-BE49-F238E27FC236}">
-                <a16:creationId xmlns:a16="http://schemas.microsoft.com/office/drawing/2014/main" id="{D3C4FD66-2FFB-054A-9FC5-47527FF27949}"/>
-              </a:ext>
-            </a:extLst>
-          </p:cNvPr>
-          <p:cNvSpPr txBox="1"/>
-          <p:nvPr/>
-        </p:nvSpPr>
-        <p:spPr>
-          <a:xfrm>
-            <a:off x="1063117" y="2644170"/>
-            <a:ext cx="10377767" cy="1569660"/>
-          </a:xfrm>
-          <a:prstGeom prst="rect">
-            <a:avLst/>
-          </a:prstGeom>
-          <a:noFill/>
-        </p:spPr>
-        <p:txBody>
-          <a:bodyPr wrap="square" rtlCol="0">
-            <a:spAutoFit/>
-          </a:bodyPr>
-          <a:lstStyle/>
-          <a:p>
-            <a:pPr algn="ctr"/>
-            <a:r>
-              <a:rPr lang="en-US" sz="3200" noProof="1"/>
-              <a:t>How would you describe the following regex query?</a:t>
-            </a:r>
-          </a:p>
-          <a:p>
-            <a:pPr algn="just"/>
-            <a:r>
-              <a:rPr lang="en-US" sz="3200" noProof="1"/>
-              <a:t> </a:t>
-            </a:r>
-          </a:p>
-          <a:p>
-            <a:pPr algn="ctr"/>
-            <a:r>
-              <a:rPr lang="en-US" sz="3200" b="1" noProof="1"/>
-              <a:t>"[^"]+"</a:t>
-            </a:r>
-          </a:p>
-        </p:txBody>
-      </p:sp>
-    </p:spTree>
-    <p:extLst>
-      <p:ext uri="{BB962C8B-B14F-4D97-AF65-F5344CB8AC3E}">
-        <p14:creationId xmlns:p14="http://schemas.microsoft.com/office/powerpoint/2010/main" val="3476999541"/>
-      </p:ext>
-    </p:extLst>
-  </p:cSld>
-  <p:clrMapOvr>
-    <a:masterClrMapping/>
-  </p:clrMapOvr>
-</p:sld>
-</file>
-
-<file path=ppt/slides/slide6.xml><?xml version="1.0" encoding="utf-8"?>
-<p:sld xmlns:a="http://schemas.openxmlformats.org/drawingml/2006/main" xmlns:r="http://schemas.openxmlformats.org/officeDocument/2006/relationships" xmlns:p="http://schemas.openxmlformats.org/presentationml/2006/main">
-  <p:cSld>
-    <p:spTree>
-      <p:nvGrpSpPr>
-        <p:cNvPr id="1" name=""/>
-        <p:cNvGrpSpPr/>
-        <p:nvPr/>
-      </p:nvGrpSpPr>
-      <p:grpSpPr>
-        <a:xfrm>
-          <a:off x="0" y="0"/>
-          <a:ext cx="0" cy="0"/>
-          <a:chOff x="0" y="0"/>
-          <a:chExt cx="0" cy="0"/>
-        </a:xfrm>
-      </p:grpSpPr>
-      <p:sp>
-        <p:nvSpPr>
-          <p:cNvPr id="72" name="ZoneTexte 71">
-            <a:extLst>
-              <a:ext uri="{FF2B5EF4-FFF2-40B4-BE49-F238E27FC236}">
-                <a16:creationId xmlns:a16="http://schemas.microsoft.com/office/drawing/2014/main" id="{3890A706-5F2B-E84E-A26A-A267907CC130}"/>
-              </a:ext>
-            </a:extLst>
-          </p:cNvPr>
-          <p:cNvSpPr txBox="1"/>
-          <p:nvPr/>
-        </p:nvSpPr>
-        <p:spPr>
-          <a:xfrm>
-            <a:off x="1498547" y="307658"/>
-            <a:ext cx="9194905" cy="830997"/>
-          </a:xfrm>
-          <a:prstGeom prst="rect">
-            <a:avLst/>
-          </a:prstGeom>
-          <a:noFill/>
-        </p:spPr>
-        <p:txBody>
-          <a:bodyPr wrap="square" rtlCol="0">
-            <a:spAutoFit/>
-          </a:bodyPr>
-          <a:lstStyle/>
-          <a:p>
-            <a:pPr algn="ctr"/>
-            <a:r>
-              <a:rPr lang="fr-FR" sz="4800" b="1" u="sng" noProof="1"/>
-              <a:t>stringi</a:t>
-            </a:r>
-          </a:p>
-        </p:txBody>
-      </p:sp>
-      <p:pic>
-        <p:nvPicPr>
-          <p:cNvPr id="1026" name="Picture 2">
-            <a:extLst>
-              <a:ext uri="{FF2B5EF4-FFF2-40B4-BE49-F238E27FC236}">
-                <a16:creationId xmlns:a16="http://schemas.microsoft.com/office/drawing/2014/main" id="{ECEC78D4-0EC8-6148-B750-42F18BFCA56C}"/>
-              </a:ext>
-            </a:extLst>
-          </p:cNvPr>
-          <p:cNvPicPr>
-            <a:picLocks noChangeAspect="1" noChangeArrowheads="1"/>
-          </p:cNvPicPr>
-          <p:nvPr/>
-        </p:nvPicPr>
-        <p:blipFill>
-          <a:blip r:embed="rId2">
-            <a:extLst>
-              <a:ext uri="{28A0092B-C50C-407E-A947-70E740481C1C}">
-                <a14:useLocalDpi xmlns:a14="http://schemas.microsoft.com/office/drawing/2010/main" val="0"/>
-              </a:ext>
-            </a:extLst>
-          </a:blip>
-          <a:srcRect/>
-          <a:stretch>
-            <a:fillRect/>
-          </a:stretch>
-        </p:blipFill>
-        <p:spPr bwMode="auto">
-          <a:xfrm>
-            <a:off x="11267345" y="6475487"/>
-            <a:ext cx="856587" cy="299700"/>
-          </a:xfrm>
-          <a:prstGeom prst="rect">
-            <a:avLst/>
-          </a:prstGeom>
-          <a:noFill/>
-          <a:extLst>
-            <a:ext uri="{909E8E84-426E-40DD-AFC4-6F175D3DCCD1}">
-              <a14:hiddenFill xmlns:a14="http://schemas.microsoft.com/office/drawing/2010/main">
-                <a:solidFill>
-                  <a:srgbClr val="FFFFFF"/>
-                </a:solidFill>
-              </a14:hiddenFill>
-            </a:ext>
-          </a:extLst>
-        </p:spPr>
-      </p:pic>
-      <p:sp>
-        <p:nvSpPr>
-          <p:cNvPr id="76" name="ZoneTexte 75">
-            <a:extLst>
-              <a:ext uri="{FF2B5EF4-FFF2-40B4-BE49-F238E27FC236}">
-                <a16:creationId xmlns:a16="http://schemas.microsoft.com/office/drawing/2014/main" id="{827C32F7-EAB8-F143-B412-CBD04F7209BF}"/>
-              </a:ext>
-            </a:extLst>
-          </p:cNvPr>
-          <p:cNvSpPr txBox="1"/>
-          <p:nvPr/>
-        </p:nvSpPr>
-        <p:spPr>
-          <a:xfrm>
-            <a:off x="68068" y="6475487"/>
-            <a:ext cx="4030964" cy="338554"/>
-          </a:xfrm>
-          <a:prstGeom prst="rect">
-            <a:avLst/>
-          </a:prstGeom>
-          <a:noFill/>
-        </p:spPr>
-        <p:txBody>
-          <a:bodyPr wrap="square" rtlCol="0">
-            <a:spAutoFit/>
-          </a:bodyPr>
-          <a:lstStyle/>
-          <a:p>
-            <a:r>
-              <a:rPr lang="fr-FR" sz="1600" noProof="1">
-                <a:solidFill>
-                  <a:schemeClr val="bg1">
-                    <a:lumMod val="65000"/>
-                  </a:schemeClr>
-                </a:solidFill>
-              </a:rPr>
-              <a:t>T. ARNOLD</a:t>
-            </a:r>
-          </a:p>
-        </p:txBody>
-      </p:sp>
-      <p:sp>
-        <p:nvSpPr>
-          <p:cNvPr id="48" name="ZoneTexte 47">
-            <a:extLst>
-              <a:ext uri="{FF2B5EF4-FFF2-40B4-BE49-F238E27FC236}">
-                <a16:creationId xmlns:a16="http://schemas.microsoft.com/office/drawing/2014/main" id="{D3C4FD66-2FFB-054A-9FC5-47527FF27949}"/>
-              </a:ext>
-            </a:extLst>
-          </p:cNvPr>
-          <p:cNvSpPr txBox="1"/>
-          <p:nvPr/>
-        </p:nvSpPr>
-        <p:spPr>
-          <a:xfrm>
-            <a:off x="805543" y="1410864"/>
-            <a:ext cx="11005457" cy="4647426"/>
-          </a:xfrm>
-          <a:prstGeom prst="rect">
-            <a:avLst/>
-          </a:prstGeom>
-          <a:noFill/>
-        </p:spPr>
-        <p:txBody>
-          <a:bodyPr wrap="square" rtlCol="0">
-            <a:spAutoFit/>
-          </a:bodyPr>
-          <a:lstStyle/>
-          <a:p>
-            <a:pPr algn="just"/>
-            <a:r>
-              <a:rPr lang="en-US" sz="2400" noProof="1"/>
-              <a:t>The stringi package is probably my favorite R package—at least, my favorite R package that I did not create! It provides an amazing amount of fast functionality that almost always just works as I expect it to. All functions start with the prefix “stri_” and most accept either a regex OR fixed string search pattern (the latter turns out to be very helpful in a lot of cases).</a:t>
-            </a:r>
-          </a:p>
-          <a:p>
-            <a:pPr algn="just"/>
-            <a:endParaRPr lang="en-US" sz="2400" noProof="1"/>
-          </a:p>
-          <a:p>
-            <a:pPr algn="just"/>
-            <a:r>
-              <a:rPr lang="en-US" sz="2400" noProof="1"/>
-              <a:t>As an example, here is an example of a regular expression that counts the number of words (from the latin alphabet) with capital letters:</a:t>
-            </a:r>
-          </a:p>
-          <a:p>
-            <a:pPr algn="just"/>
-            <a:endParaRPr lang="en-US" sz="2400" noProof="1"/>
-          </a:p>
-          <a:p>
-            <a:pPr algn="ctr"/>
-            <a:r>
-              <a:rPr lang="en-US" sz="2400" b="1" noProof="1">
-                <a:solidFill>
-                  <a:schemeClr val="accent5">
-                    <a:lumMod val="75000"/>
-                  </a:schemeClr>
-                </a:solidFill>
-              </a:rPr>
-              <a:t>stri_count(input, regex = "[A-Z][a-z]+")</a:t>
-            </a:r>
-          </a:p>
-          <a:p>
-            <a:pPr algn="just"/>
-            <a:endParaRPr lang="en-US" sz="2400" noProof="1"/>
-          </a:p>
-          <a:p>
-            <a:pPr algn="just"/>
-            <a:endParaRPr lang="en-US" sz="2400" noProof="1"/>
-          </a:p>
-        </p:txBody>
-      </p:sp>
-    </p:spTree>
-    <p:extLst>
-      <p:ext uri="{BB962C8B-B14F-4D97-AF65-F5344CB8AC3E}">
-        <p14:creationId xmlns:p14="http://schemas.microsoft.com/office/powerpoint/2010/main" val="602059052"/>
-      </p:ext>
-    </p:extLst>
-  </p:cSld>
-  <p:clrMapOvr>
-    <a:masterClrMapping/>
-  </p:clrMapOvr>
-</p:sld>
-</file>
-
-<file path=ppt/slides/slide7.xml><?xml version="1.0" encoding="utf-8"?>
-<p:sld xmlns:a="http://schemas.openxmlformats.org/drawingml/2006/main" xmlns:r="http://schemas.openxmlformats.org/officeDocument/2006/relationships" xmlns:p="http://schemas.openxmlformats.org/presentationml/2006/main">
-  <p:cSld>
-    <p:spTree>
-      <p:nvGrpSpPr>
-        <p:cNvPr id="1" name=""/>
-        <p:cNvGrpSpPr/>
-        <p:nvPr/>
-      </p:nvGrpSpPr>
-      <p:grpSpPr>
-        <a:xfrm>
-          <a:off x="0" y="0"/>
-          <a:ext cx="0" cy="0"/>
-          <a:chOff x="0" y="0"/>
-          <a:chExt cx="0" cy="0"/>
-        </a:xfrm>
-      </p:grpSpPr>
-      <p:sp>
-        <p:nvSpPr>
-          <p:cNvPr id="72" name="ZoneTexte 71">
-            <a:extLst>
-              <a:ext uri="{FF2B5EF4-FFF2-40B4-BE49-F238E27FC236}">
-                <a16:creationId xmlns:a16="http://schemas.microsoft.com/office/drawing/2014/main" id="{3890A706-5F2B-E84E-A26A-A267907CC130}"/>
-              </a:ext>
-            </a:extLst>
-          </p:cNvPr>
-          <p:cNvSpPr txBox="1"/>
-          <p:nvPr/>
-        </p:nvSpPr>
-        <p:spPr>
-          <a:xfrm>
-            <a:off x="1498547" y="307658"/>
-            <a:ext cx="9194905" cy="830997"/>
-          </a:xfrm>
-          <a:prstGeom prst="rect">
-            <a:avLst/>
-          </a:prstGeom>
-          <a:noFill/>
-        </p:spPr>
-        <p:txBody>
-          <a:bodyPr wrap="square" rtlCol="0">
-            <a:spAutoFit/>
-          </a:bodyPr>
-          <a:lstStyle/>
-          <a:p>
-            <a:pPr algn="ctr"/>
-            <a:r>
-              <a:rPr lang="fr-FR" sz="4800" b="1" u="sng" noProof="1"/>
-              <a:t>Using Regular Expressions</a:t>
-            </a:r>
-          </a:p>
-        </p:txBody>
-      </p:sp>
-      <p:pic>
-        <p:nvPicPr>
-          <p:cNvPr id="1026" name="Picture 2">
-            <a:extLst>
-              <a:ext uri="{FF2B5EF4-FFF2-40B4-BE49-F238E27FC236}">
-                <a16:creationId xmlns:a16="http://schemas.microsoft.com/office/drawing/2014/main" id="{ECEC78D4-0EC8-6148-B750-42F18BFCA56C}"/>
-              </a:ext>
-            </a:extLst>
-          </p:cNvPr>
-          <p:cNvPicPr>
-            <a:picLocks noChangeAspect="1" noChangeArrowheads="1"/>
-          </p:cNvPicPr>
-          <p:nvPr/>
-        </p:nvPicPr>
-        <p:blipFill>
-          <a:blip r:embed="rId2">
-            <a:extLst>
-              <a:ext uri="{28A0092B-C50C-407E-A947-70E740481C1C}">
-                <a14:useLocalDpi xmlns:a14="http://schemas.microsoft.com/office/drawing/2010/main" val="0"/>
-              </a:ext>
-            </a:extLst>
-          </a:blip>
-          <a:srcRect/>
-          <a:stretch>
-            <a:fillRect/>
-          </a:stretch>
-        </p:blipFill>
-        <p:spPr bwMode="auto">
-          <a:xfrm>
-            <a:off x="11267345" y="6475487"/>
-            <a:ext cx="856587" cy="299700"/>
-          </a:xfrm>
-          <a:prstGeom prst="rect">
-            <a:avLst/>
-          </a:prstGeom>
-          <a:noFill/>
-          <a:extLst>
-            <a:ext uri="{909E8E84-426E-40DD-AFC4-6F175D3DCCD1}">
-              <a14:hiddenFill xmlns:a14="http://schemas.microsoft.com/office/drawing/2010/main">
-                <a:solidFill>
-                  <a:srgbClr val="FFFFFF"/>
-                </a:solidFill>
-              </a14:hiddenFill>
-            </a:ext>
-          </a:extLst>
-        </p:spPr>
-      </p:pic>
-      <p:sp>
-        <p:nvSpPr>
-          <p:cNvPr id="76" name="ZoneTexte 75">
-            <a:extLst>
-              <a:ext uri="{FF2B5EF4-FFF2-40B4-BE49-F238E27FC236}">
-                <a16:creationId xmlns:a16="http://schemas.microsoft.com/office/drawing/2014/main" id="{827C32F7-EAB8-F143-B412-CBD04F7209BF}"/>
-              </a:ext>
-            </a:extLst>
-          </p:cNvPr>
-          <p:cNvSpPr txBox="1"/>
-          <p:nvPr/>
-        </p:nvSpPr>
-        <p:spPr>
-          <a:xfrm>
-            <a:off x="68068" y="6475487"/>
-            <a:ext cx="4030964" cy="338554"/>
-          </a:xfrm>
-          <a:prstGeom prst="rect">
-            <a:avLst/>
-          </a:prstGeom>
-          <a:noFill/>
-        </p:spPr>
-        <p:txBody>
-          <a:bodyPr wrap="square" rtlCol="0">
-            <a:spAutoFit/>
-          </a:bodyPr>
-          <a:lstStyle/>
-          <a:p>
-            <a:r>
-              <a:rPr lang="fr-FR" sz="1600" noProof="1">
-                <a:solidFill>
-                  <a:schemeClr val="bg1">
-                    <a:lumMod val="65000"/>
-                  </a:schemeClr>
-                </a:solidFill>
-              </a:rPr>
-              <a:t>T. ARNOLD</a:t>
-            </a:r>
-          </a:p>
-        </p:txBody>
-      </p:sp>
-      <p:sp>
-        <p:nvSpPr>
-          <p:cNvPr id="8" name="ZoneTexte 7">
-            <a:extLst>
-              <a:ext uri="{FF2B5EF4-FFF2-40B4-BE49-F238E27FC236}">
-                <a16:creationId xmlns:a16="http://schemas.microsoft.com/office/drawing/2014/main" id="{20897E90-3917-B34C-910C-8EFD57291D68}"/>
-              </a:ext>
-            </a:extLst>
-          </p:cNvPr>
-          <p:cNvSpPr txBox="1"/>
-          <p:nvPr/>
-        </p:nvSpPr>
-        <p:spPr>
-          <a:xfrm>
-            <a:off x="772887" y="1225807"/>
-            <a:ext cx="10798628" cy="5324535"/>
-          </a:xfrm>
-          <a:prstGeom prst="rect">
-            <a:avLst/>
-          </a:prstGeom>
-          <a:noFill/>
-        </p:spPr>
-        <p:txBody>
-          <a:bodyPr wrap="square" rtlCol="0">
-            <a:spAutoFit/>
-          </a:bodyPr>
-          <a:lstStyle/>
-          <a:p>
-            <a:pPr algn="just"/>
-            <a:r>
-              <a:rPr lang="en-US" sz="2000" noProof="1"/>
-              <a:t>There are several commons things we can do once we are able to match a pattern in a string, all supported by the R stringi package:</a:t>
-            </a:r>
-          </a:p>
-          <a:p>
-            <a:pPr algn="just"/>
-            <a:endParaRPr lang="en-US" sz="2000" noProof="1"/>
-          </a:p>
-          <a:p>
-            <a:pPr algn="just"/>
-            <a:r>
-              <a:rPr lang="en-US" sz="2000" b="1" noProof="1">
-                <a:solidFill>
-                  <a:schemeClr val="accent5">
-                    <a:lumMod val="75000"/>
-                  </a:schemeClr>
-                </a:solidFill>
-              </a:rPr>
-              <a:t>	stri_count		count the number of time the pattern occurs</a:t>
-            </a:r>
-          </a:p>
-          <a:p>
-            <a:pPr algn="just"/>
-            <a:r>
-              <a:rPr lang="en-US" sz="2000" b="1" noProof="1">
-                <a:solidFill>
-                  <a:schemeClr val="accent5">
-                    <a:lumMod val="75000"/>
-                  </a:schemeClr>
-                </a:solidFill>
-              </a:rPr>
-              <a:t>	stri_detect		does pattern occur at least once?</a:t>
-            </a:r>
-          </a:p>
-          <a:p>
-            <a:pPr algn="just"/>
-            <a:r>
-              <a:rPr lang="en-US" sz="2000" b="1" noProof="1">
-                <a:solidFill>
-                  <a:schemeClr val="accent5">
-                    <a:lumMod val="75000"/>
-                  </a:schemeClr>
-                </a:solidFill>
-              </a:rPr>
-              <a:t>	stri_extract_all		extract all occurances of the pattern</a:t>
-            </a:r>
-          </a:p>
-          <a:p>
-            <a:pPr algn="just"/>
-            <a:r>
-              <a:rPr lang="en-US" sz="2000" b="1" noProof="1">
-                <a:solidFill>
-                  <a:schemeClr val="accent5">
-                    <a:lumMod val="75000"/>
-                  </a:schemeClr>
-                </a:solidFill>
-              </a:rPr>
-              <a:t>	stri_replace_all		replace all occurances of the pattern with a fixed string</a:t>
-            </a:r>
-          </a:p>
-          <a:p>
-            <a:pPr algn="just"/>
-            <a:r>
-              <a:rPr lang="en-US" sz="2000" b="1" noProof="1">
-                <a:solidFill>
-                  <a:schemeClr val="accent5">
-                    <a:lumMod val="75000"/>
-                  </a:schemeClr>
-                </a:solidFill>
-              </a:rPr>
-              <a:t>	stri_split		split string into substrings, using patterns as the split</a:t>
-            </a:r>
-          </a:p>
-          <a:p>
-            <a:pPr algn="just"/>
-            <a:endParaRPr lang="en-US" sz="2000" noProof="1"/>
-          </a:p>
-          <a:p>
-            <a:pPr algn="just"/>
-            <a:r>
-              <a:rPr lang="en-US" sz="2000" noProof="1"/>
-              <a:t>There are also some related stringi functions that do not take a regular expression as an input:	</a:t>
-            </a:r>
-          </a:p>
-          <a:p>
-            <a:pPr algn="just"/>
-            <a:r>
-              <a:rPr lang="en-US" sz="2000" noProof="1"/>
-              <a:t>	</a:t>
-            </a:r>
-          </a:p>
-          <a:p>
-            <a:pPr algn="just"/>
-            <a:r>
-              <a:rPr lang="en-US" sz="2000" b="1" noProof="1">
-                <a:solidFill>
-                  <a:schemeClr val="accent5">
-                    <a:lumMod val="75000"/>
-                  </a:schemeClr>
-                </a:solidFill>
-              </a:rPr>
-              <a:t>	stri_length		how many characters are in the string</a:t>
-            </a:r>
-          </a:p>
-          <a:p>
-            <a:pPr algn="just"/>
-            <a:r>
-              <a:rPr lang="en-US" sz="2000" b="1" noProof="1">
-                <a:solidFill>
-                  <a:schemeClr val="accent5">
-                    <a:lumMod val="75000"/>
-                  </a:schemeClr>
-                </a:solidFill>
-              </a:rPr>
-              <a:t>	stri_sub			take a substring by position</a:t>
-            </a:r>
-          </a:p>
-          <a:p>
-            <a:pPr algn="just"/>
-            <a:r>
-              <a:rPr lang="en-US" sz="2000" b="1" noProof="1">
-                <a:solidFill>
-                  <a:schemeClr val="accent5">
-                    <a:lumMod val="75000"/>
-                  </a:schemeClr>
-                </a:solidFill>
-              </a:rPr>
-              <a:t>	stri_trans_toupper	convert to uppercase</a:t>
-            </a:r>
-          </a:p>
-          <a:p>
-            <a:pPr algn="just"/>
-            <a:r>
-              <a:rPr lang="en-US" sz="2000" b="1" noProof="1">
-                <a:solidFill>
-                  <a:schemeClr val="accent5">
-                    <a:lumMod val="75000"/>
-                  </a:schemeClr>
-                </a:solidFill>
-              </a:rPr>
-              <a:t>	stri_trans_tolower	convert to lowercase</a:t>
-            </a:r>
-          </a:p>
-          <a:p>
-            <a:pPr algn="just"/>
-            <a:r>
-              <a:rPr lang="en-US" sz="2000" b="1" noProof="1">
-                <a:solidFill>
-                  <a:schemeClr val="accent5">
-                    <a:lumMod val="75000"/>
-                  </a:schemeClr>
-                </a:solidFill>
-              </a:rPr>
-              <a:t>	stri_trans_totitle		convert to title case</a:t>
-            </a:r>
-          </a:p>
-          <a:p>
-            <a:pPr algn="just"/>
-            <a:r>
-              <a:rPr lang="en-US" sz="2000" noProof="1"/>
-              <a:t>	</a:t>
-            </a:r>
-          </a:p>
-        </p:txBody>
-      </p:sp>
-    </p:spTree>
-    <p:extLst>
-      <p:ext uri="{BB962C8B-B14F-4D97-AF65-F5344CB8AC3E}">
-        <p14:creationId xmlns:p14="http://schemas.microsoft.com/office/powerpoint/2010/main" val="3060145005"/>
       </p:ext>
     </p:extLst>
   </p:cSld>
